--- a/Wel_Les_ASP.NET_MVC_Presentatie.pptx
+++ b/Wel_Les_ASP.NET_MVC_Presentatie.pptx
@@ -334,7 +334,7 @@
           <a:p>
             <a:fld id="{7255999A-AC98-45D4-B064-43269F06CB88}" type="datetimeFigureOut">
               <a:rPr lang="nl-NL" smtClean="0"/>
-              <a:t>12-12-2017</a:t>
+              <a:t>14-12-2017</a:t>
             </a:fld>
             <a:endParaRPr lang="nl-NL"/>
           </a:p>
@@ -376,7 +376,7 @@
           <a:p>
             <a:fld id="{1FF4C338-0DCF-43A4-B9A7-1D47F6DADBE8}" type="slidenum">
               <a:rPr lang="nl-NL" smtClean="0"/>
-              <a:t>‹nr.›</a:t>
+              <a:t>‹#›</a:t>
             </a:fld>
             <a:endParaRPr lang="nl-NL"/>
           </a:p>
@@ -609,7 +609,7 @@
           <a:p>
             <a:fld id="{7255999A-AC98-45D4-B064-43269F06CB88}" type="datetimeFigureOut">
               <a:rPr lang="nl-NL" smtClean="0"/>
-              <a:t>12-12-2017</a:t>
+              <a:t>14-12-2017</a:t>
             </a:fld>
             <a:endParaRPr lang="nl-NL"/>
           </a:p>
@@ -651,7 +651,7 @@
           <a:p>
             <a:fld id="{1FF4C338-0DCF-43A4-B9A7-1D47F6DADBE8}" type="slidenum">
               <a:rPr lang="nl-NL" smtClean="0"/>
-              <a:t>‹nr.›</a:t>
+              <a:t>‹#›</a:t>
             </a:fld>
             <a:endParaRPr lang="nl-NL"/>
           </a:p>
@@ -803,7 +803,7 @@
           <a:p>
             <a:fld id="{7255999A-AC98-45D4-B064-43269F06CB88}" type="datetimeFigureOut">
               <a:rPr lang="nl-NL" smtClean="0"/>
-              <a:t>12-12-2017</a:t>
+              <a:t>14-12-2017</a:t>
             </a:fld>
             <a:endParaRPr lang="nl-NL"/>
           </a:p>
@@ -845,7 +845,7 @@
           <a:p>
             <a:fld id="{1FF4C338-0DCF-43A4-B9A7-1D47F6DADBE8}" type="slidenum">
               <a:rPr lang="nl-NL" smtClean="0"/>
-              <a:t>‹nr.›</a:t>
+              <a:t>‹#›</a:t>
             </a:fld>
             <a:endParaRPr lang="nl-NL"/>
           </a:p>
@@ -1076,7 +1076,7 @@
           <a:p>
             <a:fld id="{7255999A-AC98-45D4-B064-43269F06CB88}" type="datetimeFigureOut">
               <a:rPr lang="nl-NL" smtClean="0"/>
-              <a:t>12-12-2017</a:t>
+              <a:t>14-12-2017</a:t>
             </a:fld>
             <a:endParaRPr lang="nl-NL"/>
           </a:p>
@@ -1118,7 +1118,7 @@
           <a:p>
             <a:fld id="{1FF4C338-0DCF-43A4-B9A7-1D47F6DADBE8}" type="slidenum">
               <a:rPr lang="nl-NL" smtClean="0"/>
-              <a:t>‹nr.›</a:t>
+              <a:t>‹#›</a:t>
             </a:fld>
             <a:endParaRPr lang="nl-NL"/>
           </a:p>
@@ -1417,7 +1417,7 @@
           <a:p>
             <a:fld id="{7255999A-AC98-45D4-B064-43269F06CB88}" type="datetimeFigureOut">
               <a:rPr lang="nl-NL" smtClean="0"/>
-              <a:t>12-12-2017</a:t>
+              <a:t>14-12-2017</a:t>
             </a:fld>
             <a:endParaRPr lang="nl-NL"/>
           </a:p>
@@ -1459,7 +1459,7 @@
           <a:p>
             <a:fld id="{1FF4C338-0DCF-43A4-B9A7-1D47F6DADBE8}" type="slidenum">
               <a:rPr lang="nl-NL" smtClean="0"/>
-              <a:t>‹nr.›</a:t>
+              <a:t>‹#›</a:t>
             </a:fld>
             <a:endParaRPr lang="nl-NL"/>
           </a:p>
@@ -2040,7 +2040,7 @@
           <a:p>
             <a:fld id="{7255999A-AC98-45D4-B064-43269F06CB88}" type="datetimeFigureOut">
               <a:rPr lang="nl-NL" smtClean="0"/>
-              <a:t>12-12-2017</a:t>
+              <a:t>14-12-2017</a:t>
             </a:fld>
             <a:endParaRPr lang="nl-NL"/>
           </a:p>
@@ -2082,7 +2082,7 @@
           <a:p>
             <a:fld id="{1FF4C338-0DCF-43A4-B9A7-1D47F6DADBE8}" type="slidenum">
               <a:rPr lang="nl-NL" smtClean="0"/>
-              <a:t>‹nr.›</a:t>
+              <a:t>‹#›</a:t>
             </a:fld>
             <a:endParaRPr lang="nl-NL"/>
           </a:p>
@@ -2900,7 +2900,7 @@
           <a:p>
             <a:fld id="{7255999A-AC98-45D4-B064-43269F06CB88}" type="datetimeFigureOut">
               <a:rPr lang="nl-NL" smtClean="0"/>
-              <a:t>12-12-2017</a:t>
+              <a:t>14-12-2017</a:t>
             </a:fld>
             <a:endParaRPr lang="nl-NL"/>
           </a:p>
@@ -2942,7 +2942,7 @@
           <a:p>
             <a:fld id="{1FF4C338-0DCF-43A4-B9A7-1D47F6DADBE8}" type="slidenum">
               <a:rPr lang="nl-NL" smtClean="0"/>
-              <a:t>‹nr.›</a:t>
+              <a:t>‹#›</a:t>
             </a:fld>
             <a:endParaRPr lang="nl-NL"/>
           </a:p>
@@ -3070,7 +3070,7 @@
           <a:p>
             <a:fld id="{7255999A-AC98-45D4-B064-43269F06CB88}" type="datetimeFigureOut">
               <a:rPr lang="nl-NL" smtClean="0"/>
-              <a:t>12-12-2017</a:t>
+              <a:t>14-12-2017</a:t>
             </a:fld>
             <a:endParaRPr lang="nl-NL"/>
           </a:p>
@@ -3112,7 +3112,7 @@
           <a:p>
             <a:fld id="{1FF4C338-0DCF-43A4-B9A7-1D47F6DADBE8}" type="slidenum">
               <a:rPr lang="nl-NL" smtClean="0"/>
-              <a:t>‹nr.›</a:t>
+              <a:t>‹#›</a:t>
             </a:fld>
             <a:endParaRPr lang="nl-NL"/>
           </a:p>
@@ -3250,7 +3250,7 @@
           <a:p>
             <a:fld id="{7255999A-AC98-45D4-B064-43269F06CB88}" type="datetimeFigureOut">
               <a:rPr lang="nl-NL" smtClean="0"/>
-              <a:t>12-12-2017</a:t>
+              <a:t>14-12-2017</a:t>
             </a:fld>
             <a:endParaRPr lang="nl-NL"/>
           </a:p>
@@ -3292,7 +3292,7 @@
           <a:p>
             <a:fld id="{1FF4C338-0DCF-43A4-B9A7-1D47F6DADBE8}" type="slidenum">
               <a:rPr lang="nl-NL" smtClean="0"/>
-              <a:t>‹nr.›</a:t>
+              <a:t>‹#›</a:t>
             </a:fld>
             <a:endParaRPr lang="nl-NL"/>
           </a:p>
@@ -3420,7 +3420,7 @@
           <a:p>
             <a:fld id="{7255999A-AC98-45D4-B064-43269F06CB88}" type="datetimeFigureOut">
               <a:rPr lang="nl-NL" smtClean="0"/>
-              <a:t>12-12-2017</a:t>
+              <a:t>14-12-2017</a:t>
             </a:fld>
             <a:endParaRPr lang="nl-NL"/>
           </a:p>
@@ -3462,7 +3462,7 @@
           <a:p>
             <a:fld id="{1FF4C338-0DCF-43A4-B9A7-1D47F6DADBE8}" type="slidenum">
               <a:rPr lang="nl-NL" smtClean="0"/>
-              <a:t>‹nr.›</a:t>
+              <a:t>‹#›</a:t>
             </a:fld>
             <a:endParaRPr lang="nl-NL"/>
           </a:p>
@@ -3667,7 +3667,7 @@
           <a:p>
             <a:fld id="{7255999A-AC98-45D4-B064-43269F06CB88}" type="datetimeFigureOut">
               <a:rPr lang="nl-NL" smtClean="0"/>
-              <a:t>12-12-2017</a:t>
+              <a:t>14-12-2017</a:t>
             </a:fld>
             <a:endParaRPr lang="nl-NL"/>
           </a:p>
@@ -3709,7 +3709,7 @@
           <a:p>
             <a:fld id="{1FF4C338-0DCF-43A4-B9A7-1D47F6DADBE8}" type="slidenum">
               <a:rPr lang="nl-NL" smtClean="0"/>
-              <a:t>‹nr.›</a:t>
+              <a:t>‹#›</a:t>
             </a:fld>
             <a:endParaRPr lang="nl-NL"/>
           </a:p>
@@ -3959,7 +3959,7 @@
           <a:p>
             <a:fld id="{7255999A-AC98-45D4-B064-43269F06CB88}" type="datetimeFigureOut">
               <a:rPr lang="nl-NL" smtClean="0"/>
-              <a:t>12-12-2017</a:t>
+              <a:t>14-12-2017</a:t>
             </a:fld>
             <a:endParaRPr lang="nl-NL"/>
           </a:p>
@@ -4001,7 +4001,7 @@
           <a:p>
             <a:fld id="{1FF4C338-0DCF-43A4-B9A7-1D47F6DADBE8}" type="slidenum">
               <a:rPr lang="nl-NL" smtClean="0"/>
-              <a:t>‹nr.›</a:t>
+              <a:t>‹#›</a:t>
             </a:fld>
             <a:endParaRPr lang="nl-NL"/>
           </a:p>
@@ -4403,7 +4403,7 @@
           <a:p>
             <a:fld id="{7255999A-AC98-45D4-B064-43269F06CB88}" type="datetimeFigureOut">
               <a:rPr lang="nl-NL" smtClean="0"/>
-              <a:t>12-12-2017</a:t>
+              <a:t>14-12-2017</a:t>
             </a:fld>
             <a:endParaRPr lang="nl-NL"/>
           </a:p>
@@ -4445,7 +4445,7 @@
           <a:p>
             <a:fld id="{1FF4C338-0DCF-43A4-B9A7-1D47F6DADBE8}" type="slidenum">
               <a:rPr lang="nl-NL" smtClean="0"/>
-              <a:t>‹nr.›</a:t>
+              <a:t>‹#›</a:t>
             </a:fld>
             <a:endParaRPr lang="nl-NL"/>
           </a:p>
@@ -4521,7 +4521,7 @@
           <a:p>
             <a:fld id="{7255999A-AC98-45D4-B064-43269F06CB88}" type="datetimeFigureOut">
               <a:rPr lang="nl-NL" smtClean="0"/>
-              <a:t>12-12-2017</a:t>
+              <a:t>14-12-2017</a:t>
             </a:fld>
             <a:endParaRPr lang="nl-NL"/>
           </a:p>
@@ -4563,7 +4563,7 @@
           <a:p>
             <a:fld id="{1FF4C338-0DCF-43A4-B9A7-1D47F6DADBE8}" type="slidenum">
               <a:rPr lang="nl-NL" smtClean="0"/>
-              <a:t>‹nr.›</a:t>
+              <a:t>‹#›</a:t>
             </a:fld>
             <a:endParaRPr lang="nl-NL"/>
           </a:p>
@@ -4616,7 +4616,7 @@
           <a:p>
             <a:fld id="{7255999A-AC98-45D4-B064-43269F06CB88}" type="datetimeFigureOut">
               <a:rPr lang="nl-NL" smtClean="0"/>
-              <a:t>12-12-2017</a:t>
+              <a:t>14-12-2017</a:t>
             </a:fld>
             <a:endParaRPr lang="nl-NL"/>
           </a:p>
@@ -4658,7 +4658,7 @@
           <a:p>
             <a:fld id="{1FF4C338-0DCF-43A4-B9A7-1D47F6DADBE8}" type="slidenum">
               <a:rPr lang="nl-NL" smtClean="0"/>
-              <a:t>‹nr.›</a:t>
+              <a:t>‹#›</a:t>
             </a:fld>
             <a:endParaRPr lang="nl-NL"/>
           </a:p>
@@ -4895,7 +4895,7 @@
           <a:p>
             <a:fld id="{7255999A-AC98-45D4-B064-43269F06CB88}" type="datetimeFigureOut">
               <a:rPr lang="nl-NL" smtClean="0"/>
-              <a:t>12-12-2017</a:t>
+              <a:t>14-12-2017</a:t>
             </a:fld>
             <a:endParaRPr lang="nl-NL"/>
           </a:p>
@@ -4937,7 +4937,7 @@
           <a:p>
             <a:fld id="{1FF4C338-0DCF-43A4-B9A7-1D47F6DADBE8}" type="slidenum">
               <a:rPr lang="nl-NL" smtClean="0"/>
-              <a:t>‹nr.›</a:t>
+              <a:t>‹#›</a:t>
             </a:fld>
             <a:endParaRPr lang="nl-NL"/>
           </a:p>
@@ -5170,7 +5170,7 @@
           <a:p>
             <a:fld id="{7255999A-AC98-45D4-B064-43269F06CB88}" type="datetimeFigureOut">
               <a:rPr lang="nl-NL" smtClean="0"/>
-              <a:t>12-12-2017</a:t>
+              <a:t>14-12-2017</a:t>
             </a:fld>
             <a:endParaRPr lang="nl-NL"/>
           </a:p>
@@ -5212,7 +5212,7 @@
           <a:p>
             <a:fld id="{1FF4C338-0DCF-43A4-B9A7-1D47F6DADBE8}" type="slidenum">
               <a:rPr lang="nl-NL" smtClean="0"/>
-              <a:t>‹nr.›</a:t>
+              <a:t>‹#›</a:t>
             </a:fld>
             <a:endParaRPr lang="nl-NL"/>
           </a:p>
@@ -5599,7 +5599,7 @@
           <a:p>
             <a:fld id="{7255999A-AC98-45D4-B064-43269F06CB88}" type="datetimeFigureOut">
               <a:rPr lang="nl-NL" smtClean="0"/>
-              <a:t>12-12-2017</a:t>
+              <a:t>14-12-2017</a:t>
             </a:fld>
             <a:endParaRPr lang="nl-NL"/>
           </a:p>
@@ -5678,7 +5678,7 @@
           <a:p>
             <a:fld id="{1FF4C338-0DCF-43A4-B9A7-1D47F6DADBE8}" type="slidenum">
               <a:rPr lang="nl-NL" smtClean="0"/>
-              <a:t>‹nr.›</a:t>
+              <a:t>‹#›</a:t>
             </a:fld>
             <a:endParaRPr lang="nl-NL"/>
           </a:p>
@@ -6844,12 +6844,14 @@
           <a:lstStyle/>
           <a:p>
             <a:r>
-              <a:rPr lang="nl-NL" dirty="0" err="1"/>
-              <a:t>Razor</a:t>
-            </a:r>
-            <a:r>
-              <a:rPr lang="nl-NL" dirty="0"/>
-              <a:t> Engine</a:t>
+              <a:rPr lang="nl-NL" dirty="0"/>
+              <a:t>Razor Engine</a:t>
+            </a:r>
+          </a:p>
+          <a:p>
+            <a:r>
+              <a:rPr lang="nl-NL" dirty="0"/>
+              <a:t>Vanaf 4.0</a:t>
             </a:r>
           </a:p>
           <a:p>
@@ -7714,25 +7716,48 @@
           <a:bodyPr/>
           <a:lstStyle/>
           <a:p>
-            <a:r>
-              <a:rPr lang="nl-NL" dirty="0"/>
-              <a:t>Oefeningen over Models, Views, Controllers, </a:t>
-            </a:r>
-            <a:r>
-              <a:rPr lang="nl-NL" dirty="0" err="1"/>
-              <a:t>Gets</a:t>
-            </a:r>
-            <a:r>
-              <a:rPr lang="nl-NL" dirty="0"/>
-              <a:t>, </a:t>
-            </a:r>
-            <a:r>
-              <a:rPr lang="nl-NL" dirty="0" err="1"/>
-              <a:t>Posts</a:t>
-            </a:r>
-            <a:r>
-              <a:rPr lang="nl-NL" dirty="0"/>
-              <a:t>, Razor en HTML helpers (Groepjes van 2)</a:t>
+            <a:pPr marL="0" indent="0">
+              <a:buNone/>
+            </a:pPr>
+            <a:r>
+              <a:rPr lang="nl-NL" dirty="0"/>
+              <a:t>Oefeningen over: </a:t>
+            </a:r>
+          </a:p>
+          <a:p>
+            <a:r>
+              <a:rPr lang="nl-NL" dirty="0"/>
+              <a:t>Models, Views en Controllers</a:t>
+            </a:r>
+          </a:p>
+          <a:p>
+            <a:r>
+              <a:rPr lang="nl-NL" dirty="0"/>
+              <a:t>Get en post</a:t>
+            </a:r>
+          </a:p>
+          <a:p>
+            <a:r>
+              <a:rPr lang="nl-NL" dirty="0"/>
+              <a:t>Razor</a:t>
+            </a:r>
+          </a:p>
+          <a:p>
+            <a:r>
+              <a:rPr lang="nl-NL" dirty="0"/>
+              <a:t>HTML helpers </a:t>
+            </a:r>
+          </a:p>
+          <a:p>
+            <a:pPr marL="0" indent="0">
+              <a:buNone/>
+            </a:pPr>
+            <a:endParaRPr lang="nl-NL" dirty="0"/>
+          </a:p>
+          <a:p>
+            <a:r>
+              <a:rPr lang="nl-NL" dirty="0"/>
+              <a:t>Groepjes van 2</a:t>
             </a:r>
           </a:p>
         </p:txBody>
@@ -8330,7 +8355,7 @@
           <a:p>
             <a:r>
               <a:rPr lang="nl-NL" dirty="0"/>
-              <a:t>Laden in bestaande pagina</a:t>
+              <a:t>In laden in bestaande pagina</a:t>
             </a:r>
           </a:p>
           <a:p>
@@ -8677,12 +8702,8 @@
           </a:p>
           <a:p>
             <a:r>
-              <a:rPr lang="nl-NL" dirty="0" err="1"/>
-              <a:t>Variablen</a:t>
-            </a:r>
-            <a:r>
-              <a:rPr lang="nl-NL" dirty="0"/>
-              <a:t> opslaan of ophalen</a:t>
+              <a:rPr lang="nl-NL" dirty="0"/>
+              <a:t>Variabelen opslaan of ophalen</a:t>
             </a:r>
           </a:p>
           <a:p>
@@ -8704,12 +8725,8 @@
           </a:p>
           <a:p>
             <a:r>
-              <a:rPr lang="nl-NL" dirty="0" err="1"/>
-              <a:t>Requests</a:t>
-            </a:r>
-            <a:r>
-              <a:rPr lang="nl-NL" dirty="0"/>
-              <a:t> van dezelfde brouwers</a:t>
+              <a:rPr lang="nl-NL" dirty="0"/>
+              <a:t>Requests van dezelfde browsers</a:t>
             </a:r>
           </a:p>
           <a:p>
@@ -8720,25 +8737,9 @@
           </a:p>
           <a:p>
             <a:r>
-              <a:rPr lang="nl-NL" dirty="0" err="1"/>
+              <a:rPr lang="nl-NL" dirty="0"/>
               <a:t>SessionStateItemCollection</a:t>
             </a:r>
-            <a:endParaRPr lang="nl-NL" dirty="0"/>
-          </a:p>
-          <a:p>
-            <a:r>
-              <a:rPr lang="nl-NL" dirty="0" err="1"/>
-              <a:t>HttpContext.Session</a:t>
-            </a:r>
-            <a:r>
-              <a:rPr lang="nl-NL" dirty="0"/>
-              <a:t> </a:t>
-            </a:r>
-            <a:r>
-              <a:rPr lang="nl-NL" dirty="0" err="1"/>
-              <a:t>propertie</a:t>
-            </a:r>
-            <a:endParaRPr lang="nl-NL" dirty="0"/>
           </a:p>
         </p:txBody>
       </p:sp>
@@ -9074,25 +9075,42 @@
           <a:bodyPr/>
           <a:lstStyle/>
           <a:p>
-            <a:r>
-              <a:rPr lang="nl-NL" dirty="0"/>
-              <a:t>Oefeningen over </a:t>
-            </a:r>
-            <a:r>
-              <a:rPr lang="nl-NL" dirty="0" err="1"/>
-              <a:t>Jquery</a:t>
-            </a:r>
-            <a:r>
-              <a:rPr lang="nl-NL" dirty="0"/>
-              <a:t> Ajax: Get en Post, Partial loading met en zonder Ajax en </a:t>
-            </a:r>
-            <a:r>
-              <a:rPr lang="nl-NL" dirty="0" err="1"/>
-              <a:t>sessions</a:t>
-            </a:r>
-            <a:r>
-              <a:rPr lang="nl-NL" dirty="0"/>
-              <a:t> (Groepjes van 2)</a:t>
+            <a:pPr marL="0" indent="0">
+              <a:buNone/>
+            </a:pPr>
+            <a:r>
+              <a:rPr lang="nl-NL" dirty="0"/>
+              <a:t>Oefeningen over jQuery Ajax: </a:t>
+            </a:r>
+          </a:p>
+          <a:p>
+            <a:r>
+              <a:rPr lang="nl-NL" dirty="0"/>
+              <a:t>Get en post</a:t>
+            </a:r>
+          </a:p>
+          <a:p>
+            <a:r>
+              <a:rPr lang="nl-NL" dirty="0"/>
+              <a:t>partial loading met en zonder Ajax </a:t>
+            </a:r>
+          </a:p>
+          <a:p>
+            <a:r>
+              <a:rPr lang="nl-NL" dirty="0"/>
+              <a:t>Sessions </a:t>
+            </a:r>
+          </a:p>
+          <a:p>
+            <a:pPr marL="0" indent="0">
+              <a:buNone/>
+            </a:pPr>
+            <a:endParaRPr lang="nl-NL" dirty="0"/>
+          </a:p>
+          <a:p>
+            <a:r>
+              <a:rPr lang="nl-NL" dirty="0"/>
+              <a:t>Groepjes van 2</a:t>
             </a:r>
           </a:p>
           <a:p>
@@ -9172,15 +9190,7 @@
           <a:p>
             <a:r>
               <a:rPr lang="nl-NL" dirty="0"/>
-              <a:t>{ </a:t>
-            </a:r>
-            <a:r>
-              <a:rPr lang="nl-NL" dirty="0" err="1"/>
-              <a:t>Id</a:t>
-            </a:r>
-            <a:r>
-              <a:rPr lang="nl-NL" dirty="0"/>
-              <a:t> van de Kahoot quiz }</a:t>
+              <a:t>Heb je goed opgelet deze les?</a:t>
             </a:r>
           </a:p>
         </p:txBody>

--- a/Wel_Les_ASP.NET_MVC_Presentatie.pptx
+++ b/Wel_Les_ASP.NET_MVC_Presentatie.pptx
@@ -7,37 +7,36 @@
   <p:sldIdLst>
     <p:sldId id="256" r:id="rId2"/>
     <p:sldId id="257" r:id="rId3"/>
-    <p:sldId id="258" r:id="rId4"/>
-    <p:sldId id="259" r:id="rId5"/>
-    <p:sldId id="260" r:id="rId6"/>
-    <p:sldId id="261" r:id="rId7"/>
-    <p:sldId id="275" r:id="rId8"/>
-    <p:sldId id="262" r:id="rId9"/>
-    <p:sldId id="277" r:id="rId10"/>
-    <p:sldId id="263" r:id="rId11"/>
-    <p:sldId id="278" r:id="rId12"/>
-    <p:sldId id="264" r:id="rId13"/>
-    <p:sldId id="279" r:id="rId14"/>
-    <p:sldId id="265" r:id="rId15"/>
-    <p:sldId id="280" r:id="rId16"/>
-    <p:sldId id="266" r:id="rId17"/>
-    <p:sldId id="281" r:id="rId18"/>
-    <p:sldId id="267" r:id="rId19"/>
-    <p:sldId id="282" r:id="rId20"/>
-    <p:sldId id="268" r:id="rId21"/>
-    <p:sldId id="276" r:id="rId22"/>
-    <p:sldId id="269" r:id="rId23"/>
-    <p:sldId id="283" r:id="rId24"/>
-    <p:sldId id="284" r:id="rId25"/>
-    <p:sldId id="285" r:id="rId26"/>
-    <p:sldId id="270" r:id="rId27"/>
-    <p:sldId id="286" r:id="rId28"/>
-    <p:sldId id="287" r:id="rId29"/>
-    <p:sldId id="271" r:id="rId30"/>
-    <p:sldId id="288" r:id="rId31"/>
-    <p:sldId id="272" r:id="rId32"/>
-    <p:sldId id="273" r:id="rId33"/>
-    <p:sldId id="274" r:id="rId34"/>
+    <p:sldId id="259" r:id="rId4"/>
+    <p:sldId id="260" r:id="rId5"/>
+    <p:sldId id="261" r:id="rId6"/>
+    <p:sldId id="275" r:id="rId7"/>
+    <p:sldId id="262" r:id="rId8"/>
+    <p:sldId id="277" r:id="rId9"/>
+    <p:sldId id="263" r:id="rId10"/>
+    <p:sldId id="278" r:id="rId11"/>
+    <p:sldId id="264" r:id="rId12"/>
+    <p:sldId id="279" r:id="rId13"/>
+    <p:sldId id="265" r:id="rId14"/>
+    <p:sldId id="280" r:id="rId15"/>
+    <p:sldId id="266" r:id="rId16"/>
+    <p:sldId id="281" r:id="rId17"/>
+    <p:sldId id="267" r:id="rId18"/>
+    <p:sldId id="282" r:id="rId19"/>
+    <p:sldId id="268" r:id="rId20"/>
+    <p:sldId id="276" r:id="rId21"/>
+    <p:sldId id="269" r:id="rId22"/>
+    <p:sldId id="283" r:id="rId23"/>
+    <p:sldId id="284" r:id="rId24"/>
+    <p:sldId id="285" r:id="rId25"/>
+    <p:sldId id="270" r:id="rId26"/>
+    <p:sldId id="286" r:id="rId27"/>
+    <p:sldId id="287" r:id="rId28"/>
+    <p:sldId id="271" r:id="rId29"/>
+    <p:sldId id="288" r:id="rId30"/>
+    <p:sldId id="272" r:id="rId31"/>
+    <p:sldId id="273" r:id="rId32"/>
+    <p:sldId id="274" r:id="rId33"/>
   </p:sldIdLst>
   <p:sldSz cx="12192000" cy="6858000"/>
   <p:notesSz cx="6858000" cy="9144000"/>
@@ -376,7 +375,7 @@
           <a:p>
             <a:fld id="{1FF4C338-0DCF-43A4-B9A7-1D47F6DADBE8}" type="slidenum">
               <a:rPr lang="nl-NL" smtClean="0"/>
-              <a:t>‹#›</a:t>
+              <a:t>‹nr.›</a:t>
             </a:fld>
             <a:endParaRPr lang="nl-NL"/>
           </a:p>
@@ -651,7 +650,7 @@
           <a:p>
             <a:fld id="{1FF4C338-0DCF-43A4-B9A7-1D47F6DADBE8}" type="slidenum">
               <a:rPr lang="nl-NL" smtClean="0"/>
-              <a:t>‹#›</a:t>
+              <a:t>‹nr.›</a:t>
             </a:fld>
             <a:endParaRPr lang="nl-NL"/>
           </a:p>
@@ -845,7 +844,7 @@
           <a:p>
             <a:fld id="{1FF4C338-0DCF-43A4-B9A7-1D47F6DADBE8}" type="slidenum">
               <a:rPr lang="nl-NL" smtClean="0"/>
-              <a:t>‹#›</a:t>
+              <a:t>‹nr.›</a:t>
             </a:fld>
             <a:endParaRPr lang="nl-NL"/>
           </a:p>
@@ -1118,7 +1117,7 @@
           <a:p>
             <a:fld id="{1FF4C338-0DCF-43A4-B9A7-1D47F6DADBE8}" type="slidenum">
               <a:rPr lang="nl-NL" smtClean="0"/>
-              <a:t>‹#›</a:t>
+              <a:t>‹nr.›</a:t>
             </a:fld>
             <a:endParaRPr lang="nl-NL"/>
           </a:p>
@@ -1459,7 +1458,7 @@
           <a:p>
             <a:fld id="{1FF4C338-0DCF-43A4-B9A7-1D47F6DADBE8}" type="slidenum">
               <a:rPr lang="nl-NL" smtClean="0"/>
-              <a:t>‹#›</a:t>
+              <a:t>‹nr.›</a:t>
             </a:fld>
             <a:endParaRPr lang="nl-NL"/>
           </a:p>
@@ -2082,7 +2081,7 @@
           <a:p>
             <a:fld id="{1FF4C338-0DCF-43A4-B9A7-1D47F6DADBE8}" type="slidenum">
               <a:rPr lang="nl-NL" smtClean="0"/>
-              <a:t>‹#›</a:t>
+              <a:t>‹nr.›</a:t>
             </a:fld>
             <a:endParaRPr lang="nl-NL"/>
           </a:p>
@@ -2942,7 +2941,7 @@
           <a:p>
             <a:fld id="{1FF4C338-0DCF-43A4-B9A7-1D47F6DADBE8}" type="slidenum">
               <a:rPr lang="nl-NL" smtClean="0"/>
-              <a:t>‹#›</a:t>
+              <a:t>‹nr.›</a:t>
             </a:fld>
             <a:endParaRPr lang="nl-NL"/>
           </a:p>
@@ -3112,7 +3111,7 @@
           <a:p>
             <a:fld id="{1FF4C338-0DCF-43A4-B9A7-1D47F6DADBE8}" type="slidenum">
               <a:rPr lang="nl-NL" smtClean="0"/>
-              <a:t>‹#›</a:t>
+              <a:t>‹nr.›</a:t>
             </a:fld>
             <a:endParaRPr lang="nl-NL"/>
           </a:p>
@@ -3292,7 +3291,7 @@
           <a:p>
             <a:fld id="{1FF4C338-0DCF-43A4-B9A7-1D47F6DADBE8}" type="slidenum">
               <a:rPr lang="nl-NL" smtClean="0"/>
-              <a:t>‹#›</a:t>
+              <a:t>‹nr.›</a:t>
             </a:fld>
             <a:endParaRPr lang="nl-NL"/>
           </a:p>
@@ -3462,7 +3461,7 @@
           <a:p>
             <a:fld id="{1FF4C338-0DCF-43A4-B9A7-1D47F6DADBE8}" type="slidenum">
               <a:rPr lang="nl-NL" smtClean="0"/>
-              <a:t>‹#›</a:t>
+              <a:t>‹nr.›</a:t>
             </a:fld>
             <a:endParaRPr lang="nl-NL"/>
           </a:p>
@@ -3709,7 +3708,7 @@
           <a:p>
             <a:fld id="{1FF4C338-0DCF-43A4-B9A7-1D47F6DADBE8}" type="slidenum">
               <a:rPr lang="nl-NL" smtClean="0"/>
-              <a:t>‹#›</a:t>
+              <a:t>‹nr.›</a:t>
             </a:fld>
             <a:endParaRPr lang="nl-NL"/>
           </a:p>
@@ -4001,7 +4000,7 @@
           <a:p>
             <a:fld id="{1FF4C338-0DCF-43A4-B9A7-1D47F6DADBE8}" type="slidenum">
               <a:rPr lang="nl-NL" smtClean="0"/>
-              <a:t>‹#›</a:t>
+              <a:t>‹nr.›</a:t>
             </a:fld>
             <a:endParaRPr lang="nl-NL"/>
           </a:p>
@@ -4445,7 +4444,7 @@
           <a:p>
             <a:fld id="{1FF4C338-0DCF-43A4-B9A7-1D47F6DADBE8}" type="slidenum">
               <a:rPr lang="nl-NL" smtClean="0"/>
-              <a:t>‹#›</a:t>
+              <a:t>‹nr.›</a:t>
             </a:fld>
             <a:endParaRPr lang="nl-NL"/>
           </a:p>
@@ -4563,7 +4562,7 @@
           <a:p>
             <a:fld id="{1FF4C338-0DCF-43A4-B9A7-1D47F6DADBE8}" type="slidenum">
               <a:rPr lang="nl-NL" smtClean="0"/>
-              <a:t>‹#›</a:t>
+              <a:t>‹nr.›</a:t>
             </a:fld>
             <a:endParaRPr lang="nl-NL"/>
           </a:p>
@@ -4658,7 +4657,7 @@
           <a:p>
             <a:fld id="{1FF4C338-0DCF-43A4-B9A7-1D47F6DADBE8}" type="slidenum">
               <a:rPr lang="nl-NL" smtClean="0"/>
-              <a:t>‹#›</a:t>
+              <a:t>‹nr.›</a:t>
             </a:fld>
             <a:endParaRPr lang="nl-NL"/>
           </a:p>
@@ -4937,7 +4936,7 @@
           <a:p>
             <a:fld id="{1FF4C338-0DCF-43A4-B9A7-1D47F6DADBE8}" type="slidenum">
               <a:rPr lang="nl-NL" smtClean="0"/>
-              <a:t>‹#›</a:t>
+              <a:t>‹nr.›</a:t>
             </a:fld>
             <a:endParaRPr lang="nl-NL"/>
           </a:p>
@@ -5212,7 +5211,7 @@
           <a:p>
             <a:fld id="{1FF4C338-0DCF-43A4-B9A7-1D47F6DADBE8}" type="slidenum">
               <a:rPr lang="nl-NL" smtClean="0"/>
-              <a:t>‹#›</a:t>
+              <a:t>‹nr.›</a:t>
             </a:fld>
             <a:endParaRPr lang="nl-NL"/>
           </a:p>
@@ -5678,7 +5677,7 @@
           <a:p>
             <a:fld id="{1FF4C338-0DCF-43A4-B9A7-1D47F6DADBE8}" type="slidenum">
               <a:rPr lang="nl-NL" smtClean="0"/>
-              <a:t>‹#›</a:t>
+              <a:t>‹nr.›</a:t>
             </a:fld>
             <a:endParaRPr lang="nl-NL"/>
           </a:p>
@@ -6203,120 +6202,6 @@
       </p:grpSpPr>
       <p:sp>
         <p:nvSpPr>
-          <p:cNvPr id="2" name="Titel 1"/>
-          <p:cNvSpPr>
-            <a:spLocks noGrp="1"/>
-          </p:cNvSpPr>
-          <p:nvPr>
-            <p:ph type="title"/>
-          </p:nvPr>
-        </p:nvSpPr>
-        <p:spPr/>
-        <p:txBody>
-          <a:bodyPr/>
-          <a:lstStyle/>
-          <a:p>
-            <a:r>
-              <a:rPr lang="nl-NL" dirty="0"/>
-              <a:t>View</a:t>
-            </a:r>
-          </a:p>
-        </p:txBody>
-      </p:sp>
-      <p:sp>
-        <p:nvSpPr>
-          <p:cNvPr id="3" name="Tijdelijke aanduiding voor inhoud 2"/>
-          <p:cNvSpPr>
-            <a:spLocks noGrp="1"/>
-          </p:cNvSpPr>
-          <p:nvPr>
-            <p:ph idx="1"/>
-          </p:nvPr>
-        </p:nvSpPr>
-        <p:spPr/>
-        <p:txBody>
-          <a:bodyPr/>
-          <a:lstStyle/>
-          <a:p>
-            <a:r>
-              <a:rPr lang="nl-NL" dirty="0"/>
-              <a:t>User interface</a:t>
-            </a:r>
-          </a:p>
-          <a:p>
-            <a:r>
-              <a:rPr lang="nl-NL" dirty="0"/>
-              <a:t>Geen verwerkingen zoals(Berekeningen en controles)</a:t>
-            </a:r>
-          </a:p>
-          <a:p>
-            <a:r>
-              <a:rPr lang="nl-NL" dirty="0"/>
-              <a:t>Html, CSS, Javascript</a:t>
-            </a:r>
-          </a:p>
-          <a:p>
-            <a:r>
-              <a:rPr lang="nl-NL" dirty="0" err="1"/>
-              <a:t>Models</a:t>
-            </a:r>
-            <a:r>
-              <a:rPr lang="nl-NL" dirty="0"/>
-              <a:t> en </a:t>
-            </a:r>
-            <a:r>
-              <a:rPr lang="nl-NL" dirty="0" err="1"/>
-              <a:t>Razor</a:t>
-            </a:r>
-            <a:r>
-              <a:rPr lang="nl-NL" dirty="0"/>
-              <a:t> engine</a:t>
-            </a:r>
-          </a:p>
-          <a:p>
-            <a:r>
-              <a:rPr lang="nl-NL" dirty="0" err="1"/>
-              <a:t>Partial</a:t>
-            </a:r>
-            <a:r>
-              <a:rPr lang="nl-NL" dirty="0"/>
-              <a:t> views</a:t>
-            </a:r>
-          </a:p>
-        </p:txBody>
-      </p:sp>
-    </p:spTree>
-    <p:extLst>
-      <p:ext uri="{BB962C8B-B14F-4D97-AF65-F5344CB8AC3E}">
-        <p14:creationId xmlns:p14="http://schemas.microsoft.com/office/powerpoint/2010/main" val="1109326496"/>
-      </p:ext>
-    </p:extLst>
-  </p:cSld>
-  <p:clrMapOvr>
-    <a:masterClrMapping/>
-  </p:clrMapOvr>
-</p:sld>
-</file>
-
-<file path=ppt/slides/slide11.xml><?xml version="1.0" encoding="utf-8"?>
-<p:sld xmlns:a="http://schemas.openxmlformats.org/drawingml/2006/main" xmlns:r="http://schemas.openxmlformats.org/officeDocument/2006/relationships" xmlns:p="http://schemas.openxmlformats.org/presentationml/2006/main">
-  <p:cSld>
-    <p:spTree>
-      <p:nvGrpSpPr>
-        <p:cNvPr id="1" name=""/>
-        <p:cNvGrpSpPr/>
-        <p:nvPr/>
-      </p:nvGrpSpPr>
-      <p:grpSpPr>
-        <a:xfrm>
-          <a:off x="0" y="0"/>
-          <a:ext cx="0" cy="0"/>
-          <a:chOff x="0" y="0"/>
-          <a:chExt cx="0" cy="0"/>
-        </a:xfrm>
-      </p:grpSpPr>
-      <p:sp>
-        <p:nvSpPr>
           <p:cNvPr id="2" name="Titel 1">
             <a:extLst>
               <a:ext uri="{FF2B5EF4-FFF2-40B4-BE49-F238E27FC236}">
@@ -6388,7 +6273,7 @@
 </p:sld>
 </file>
 
-<file path=ppt/slides/slide12.xml><?xml version="1.0" encoding="utf-8"?>
+<file path=ppt/slides/slide11.xml><?xml version="1.0" encoding="utf-8"?>
 <p:sld xmlns:a="http://schemas.openxmlformats.org/drawingml/2006/main" xmlns:r="http://schemas.openxmlformats.org/officeDocument/2006/relationships" xmlns:p="http://schemas.openxmlformats.org/presentationml/2006/main">
   <p:cSld>
     <p:spTree>
@@ -6485,7 +6370,7 @@
 </p:sld>
 </file>
 
-<file path=ppt/slides/slide13.xml><?xml version="1.0" encoding="utf-8"?>
+<file path=ppt/slides/slide12.xml><?xml version="1.0" encoding="utf-8"?>
 <p:sld xmlns:a="http://schemas.openxmlformats.org/drawingml/2006/main" xmlns:r="http://schemas.openxmlformats.org/officeDocument/2006/relationships" xmlns:p="http://schemas.openxmlformats.org/presentationml/2006/main">
   <p:cSld>
     <p:spTree>
@@ -6575,7 +6460,7 @@
 </p:sld>
 </file>
 
-<file path=ppt/slides/slide14.xml><?xml version="1.0" encoding="utf-8"?>
+<file path=ppt/slides/slide13.xml><?xml version="1.0" encoding="utf-8"?>
 <p:sld xmlns:a="http://schemas.openxmlformats.org/drawingml/2006/main" xmlns:r="http://schemas.openxmlformats.org/officeDocument/2006/relationships" xmlns:p="http://schemas.openxmlformats.org/presentationml/2006/main">
   <p:cSld>
     <p:spTree>
@@ -6669,7 +6554,7 @@
 </p:sld>
 </file>
 
-<file path=ppt/slides/slide15.xml><?xml version="1.0" encoding="utf-8"?>
+<file path=ppt/slides/slide14.xml><?xml version="1.0" encoding="utf-8"?>
 <p:sld xmlns:a="http://schemas.openxmlformats.org/drawingml/2006/main" xmlns:r="http://schemas.openxmlformats.org/officeDocument/2006/relationships" xmlns:p="http://schemas.openxmlformats.org/presentationml/2006/main">
   <p:cSld>
     <p:spTree>
@@ -6789,7 +6674,7 @@
 </p:sld>
 </file>
 
-<file path=ppt/slides/slide16.xml><?xml version="1.0" encoding="utf-8"?>
+<file path=ppt/slides/slide15.xml><?xml version="1.0" encoding="utf-8"?>
 <p:sld xmlns:a="http://schemas.openxmlformats.org/drawingml/2006/main" xmlns:r="http://schemas.openxmlformats.org/officeDocument/2006/relationships" xmlns:p="http://schemas.openxmlformats.org/presentationml/2006/main">
   <p:cSld>
     <p:spTree>
@@ -6893,7 +6778,7 @@
 </p:sld>
 </file>
 
-<file path=ppt/slides/slide17.xml><?xml version="1.0" encoding="utf-8"?>
+<file path=ppt/slides/slide16.xml><?xml version="1.0" encoding="utf-8"?>
 <p:sld xmlns:a="http://schemas.openxmlformats.org/drawingml/2006/main" xmlns:r="http://schemas.openxmlformats.org/officeDocument/2006/relationships" xmlns:p="http://schemas.openxmlformats.org/presentationml/2006/main">
   <p:cSld>
     <p:spTree>
@@ -7048,7 +6933,7 @@
 </p:sld>
 </file>
 
-<file path=ppt/slides/slide18.xml><?xml version="1.0" encoding="utf-8"?>
+<file path=ppt/slides/slide17.xml><?xml version="1.0" encoding="utf-8"?>
 <p:sld xmlns:a="http://schemas.openxmlformats.org/drawingml/2006/main" xmlns:r="http://schemas.openxmlformats.org/officeDocument/2006/relationships" xmlns:p="http://schemas.openxmlformats.org/presentationml/2006/main">
   <p:cSld>
     <p:spTree>
@@ -7403,7 +7288,7 @@
 </p:sld>
 </file>
 
-<file path=ppt/slides/slide19.xml><?xml version="1.0" encoding="utf-8"?>
+<file path=ppt/slides/slide18.xml><?xml version="1.0" encoding="utf-8"?>
 <p:sld xmlns:a="http://schemas.openxmlformats.org/drawingml/2006/main" xmlns:r="http://schemas.openxmlformats.org/officeDocument/2006/relationships" xmlns:p="http://schemas.openxmlformats.org/presentationml/2006/main">
   <p:cSld>
     <p:spTree>
@@ -7523,6 +7408,119 @@
 </p:sld>
 </file>
 
+<file path=ppt/slides/slide19.xml><?xml version="1.0" encoding="utf-8"?>
+<p:sld xmlns:a="http://schemas.openxmlformats.org/drawingml/2006/main" xmlns:r="http://schemas.openxmlformats.org/officeDocument/2006/relationships" xmlns:p="http://schemas.openxmlformats.org/presentationml/2006/main">
+  <p:cSld>
+    <p:spTree>
+      <p:nvGrpSpPr>
+        <p:cNvPr id="1" name=""/>
+        <p:cNvGrpSpPr/>
+        <p:nvPr/>
+      </p:nvGrpSpPr>
+      <p:grpSpPr>
+        <a:xfrm>
+          <a:off x="0" y="0"/>
+          <a:ext cx="0" cy="0"/>
+          <a:chOff x="0" y="0"/>
+          <a:chExt cx="0" cy="0"/>
+        </a:xfrm>
+      </p:grpSpPr>
+      <p:sp>
+        <p:nvSpPr>
+          <p:cNvPr id="2" name="Titel 1"/>
+          <p:cNvSpPr>
+            <a:spLocks noGrp="1"/>
+          </p:cNvSpPr>
+          <p:nvPr>
+            <p:ph type="title"/>
+          </p:nvPr>
+        </p:nvSpPr>
+        <p:spPr/>
+        <p:txBody>
+          <a:bodyPr/>
+          <a:lstStyle/>
+          <a:p>
+            <a:r>
+              <a:rPr lang="nl-NL" dirty="0"/>
+              <a:t>Oefeningen</a:t>
+            </a:r>
+          </a:p>
+        </p:txBody>
+      </p:sp>
+      <p:sp>
+        <p:nvSpPr>
+          <p:cNvPr id="3" name="Tijdelijke aanduiding voor inhoud 2"/>
+          <p:cNvSpPr>
+            <a:spLocks noGrp="1"/>
+          </p:cNvSpPr>
+          <p:nvPr>
+            <p:ph idx="1"/>
+          </p:nvPr>
+        </p:nvSpPr>
+        <p:spPr/>
+        <p:txBody>
+          <a:bodyPr/>
+          <a:lstStyle/>
+          <a:p>
+            <a:pPr marL="0" indent="0">
+              <a:buNone/>
+            </a:pPr>
+            <a:r>
+              <a:rPr lang="nl-NL" dirty="0"/>
+              <a:t>Oefeningen over: </a:t>
+            </a:r>
+          </a:p>
+          <a:p>
+            <a:r>
+              <a:rPr lang="nl-NL" dirty="0"/>
+              <a:t>Models, Views en Controllers</a:t>
+            </a:r>
+          </a:p>
+          <a:p>
+            <a:r>
+              <a:rPr lang="nl-NL" dirty="0"/>
+              <a:t>Get en post</a:t>
+            </a:r>
+          </a:p>
+          <a:p>
+            <a:r>
+              <a:rPr lang="nl-NL" dirty="0"/>
+              <a:t>Razor</a:t>
+            </a:r>
+          </a:p>
+          <a:p>
+            <a:r>
+              <a:rPr lang="nl-NL" dirty="0"/>
+              <a:t>HTML helpers </a:t>
+            </a:r>
+          </a:p>
+          <a:p>
+            <a:pPr marL="0" indent="0">
+              <a:buNone/>
+            </a:pPr>
+            <a:endParaRPr lang="nl-NL" dirty="0"/>
+          </a:p>
+          <a:p>
+            <a:r>
+              <a:rPr lang="nl-NL" dirty="0"/>
+              <a:t>Groepjes van 2</a:t>
+            </a:r>
+          </a:p>
+        </p:txBody>
+      </p:sp>
+    </p:spTree>
+    <p:extLst>
+      <p:ext uri="{BB962C8B-B14F-4D97-AF65-F5344CB8AC3E}">
+        <p14:creationId xmlns:p14="http://schemas.microsoft.com/office/powerpoint/2010/main" val="805987244"/>
+      </p:ext>
+    </p:extLst>
+  </p:cSld>
+  <p:clrMapOvr>
+    <a:masterClrMapping/>
+  </p:clrMapOvr>
+</p:sld>
+</file>
+
 <file path=ppt/slides/slide2.xml><?xml version="1.0" encoding="utf-8"?>
 <p:sld xmlns:a="http://schemas.openxmlformats.org/drawingml/2006/main" xmlns:r="http://schemas.openxmlformats.org/officeDocument/2006/relationships" xmlns:p="http://schemas.openxmlformats.org/presentationml/2006/main">
   <p:cSld>
@@ -7575,15 +7573,9 @@
         <p:spPr/>
         <p:txBody>
           <a:bodyPr>
-            <a:normAutofit fontScale="77500" lnSpcReduction="20000"/>
+            <a:normAutofit fontScale="85000" lnSpcReduction="20000"/>
           </a:bodyPr>
           <a:lstStyle/>
-          <a:p>
-            <a:r>
-              <a:rPr lang="nl-NL" dirty="0"/>
-              <a:t>Inleiding</a:t>
-            </a:r>
-          </a:p>
           <a:p>
             <a:r>
               <a:rPr lang="nl-NL" dirty="0"/>
@@ -7681,7 +7673,13 @@
       </p:grpSpPr>
       <p:sp>
         <p:nvSpPr>
-          <p:cNvPr id="2" name="Titel 1"/>
+          <p:cNvPr id="2" name="Titel 1">
+            <a:extLst>
+              <a:ext uri="{FF2B5EF4-FFF2-40B4-BE49-F238E27FC236}">
+                <a16:creationId xmlns:a16="http://schemas.microsoft.com/office/drawing/2014/main" id="{AD0981E3-772D-4B7A-9562-3326C0682F55}"/>
+              </a:ext>
+            </a:extLst>
+          </p:cNvPr>
           <p:cNvSpPr>
             <a:spLocks noGrp="1"/>
           </p:cNvSpPr>
@@ -7696,14 +7694,20 @@
           <a:p>
             <a:r>
               <a:rPr lang="nl-NL" dirty="0"/>
-              <a:t>Oefeningen</a:t>
-            </a:r>
-          </a:p>
-        </p:txBody>
-      </p:sp>
-      <p:sp>
-        <p:nvSpPr>
-          <p:cNvPr id="3" name="Tijdelijke aanduiding voor inhoud 2"/>
+              <a:t>Inhoud onderwerpen oefeningen</a:t>
+            </a:r>
+          </a:p>
+        </p:txBody>
+      </p:sp>
+      <p:sp>
+        <p:nvSpPr>
+          <p:cNvPr id="3" name="Tijdelijke aanduiding voor inhoud 2">
+            <a:extLst>
+              <a:ext uri="{FF2B5EF4-FFF2-40B4-BE49-F238E27FC236}">
+                <a16:creationId xmlns:a16="http://schemas.microsoft.com/office/drawing/2014/main" id="{75F68C67-487E-4AA6-A206-27BA3C9A34A0}"/>
+              </a:ext>
+            </a:extLst>
+          </p:cNvPr>
           <p:cNvSpPr>
             <a:spLocks noGrp="1"/>
           </p:cNvSpPr>
@@ -7716,56 +7720,46 @@
           <a:bodyPr/>
           <a:lstStyle/>
           <a:p>
-            <a:pPr marL="0" indent="0">
-              <a:buNone/>
-            </a:pPr>
-            <a:r>
-              <a:rPr lang="nl-NL" dirty="0"/>
-              <a:t>Oefeningen over: </a:t>
-            </a:r>
-          </a:p>
-          <a:p>
-            <a:r>
-              <a:rPr lang="nl-NL" dirty="0"/>
-              <a:t>Models, Views en Controllers</a:t>
-            </a:r>
-          </a:p>
-          <a:p>
-            <a:r>
-              <a:rPr lang="nl-NL" dirty="0"/>
-              <a:t>Get en post</a:t>
-            </a:r>
-          </a:p>
-          <a:p>
-            <a:r>
-              <a:rPr lang="nl-NL" dirty="0"/>
-              <a:t>Razor</a:t>
-            </a:r>
-          </a:p>
-          <a:p>
-            <a:r>
-              <a:rPr lang="nl-NL" dirty="0"/>
-              <a:t>HTML helpers </a:t>
-            </a:r>
-          </a:p>
-          <a:p>
-            <a:pPr marL="0" indent="0">
-              <a:buNone/>
-            </a:pPr>
+            <a:r>
+              <a:rPr lang="nl-NL" dirty="0" err="1"/>
+              <a:t>jQuery</a:t>
+            </a:r>
+            <a:r>
+              <a:rPr lang="nl-NL" dirty="0"/>
+              <a:t> Ajax (Get en Post)</a:t>
+            </a:r>
+          </a:p>
+          <a:p>
+            <a:r>
+              <a:rPr lang="nl-NL" dirty="0" err="1"/>
+              <a:t>Partial</a:t>
+            </a:r>
+            <a:r>
+              <a:rPr lang="nl-NL" dirty="0"/>
+              <a:t> </a:t>
+            </a:r>
+            <a:r>
+              <a:rPr lang="nl-NL" dirty="0" err="1"/>
+              <a:t>loading</a:t>
+            </a:r>
+            <a:r>
+              <a:rPr lang="nl-NL" dirty="0"/>
+              <a:t> met en zonder Ajax</a:t>
+            </a:r>
+          </a:p>
+          <a:p>
+            <a:r>
+              <a:rPr lang="nl-NL" dirty="0" err="1"/>
+              <a:t>Sessions</a:t>
+            </a:r>
             <a:endParaRPr lang="nl-NL" dirty="0"/>
-          </a:p>
-          <a:p>
-            <a:r>
-              <a:rPr lang="nl-NL" dirty="0"/>
-              <a:t>Groepjes van 2</a:t>
-            </a:r>
           </a:p>
         </p:txBody>
       </p:sp>
     </p:spTree>
     <p:extLst>
       <p:ext uri="{BB962C8B-B14F-4D97-AF65-F5344CB8AC3E}">
-        <p14:creationId xmlns:p14="http://schemas.microsoft.com/office/powerpoint/2010/main" val="805987244"/>
+        <p14:creationId xmlns:p14="http://schemas.microsoft.com/office/powerpoint/2010/main" val="2831223302"/>
       </p:ext>
     </p:extLst>
   </p:cSld>
@@ -7794,121 +7788,6 @@
       </p:grpSpPr>
       <p:sp>
         <p:nvSpPr>
-          <p:cNvPr id="2" name="Titel 1">
-            <a:extLst>
-              <a:ext uri="{FF2B5EF4-FFF2-40B4-BE49-F238E27FC236}">
-                <a16:creationId xmlns:a16="http://schemas.microsoft.com/office/drawing/2014/main" id="{AD0981E3-772D-4B7A-9562-3326C0682F55}"/>
-              </a:ext>
-            </a:extLst>
-          </p:cNvPr>
-          <p:cNvSpPr>
-            <a:spLocks noGrp="1"/>
-          </p:cNvSpPr>
-          <p:nvPr>
-            <p:ph type="title"/>
-          </p:nvPr>
-        </p:nvSpPr>
-        <p:spPr/>
-        <p:txBody>
-          <a:bodyPr/>
-          <a:lstStyle/>
-          <a:p>
-            <a:r>
-              <a:rPr lang="nl-NL" dirty="0"/>
-              <a:t>Inhoud onderwerpen oefeningen</a:t>
-            </a:r>
-          </a:p>
-        </p:txBody>
-      </p:sp>
-      <p:sp>
-        <p:nvSpPr>
-          <p:cNvPr id="3" name="Tijdelijke aanduiding voor inhoud 2">
-            <a:extLst>
-              <a:ext uri="{FF2B5EF4-FFF2-40B4-BE49-F238E27FC236}">
-                <a16:creationId xmlns:a16="http://schemas.microsoft.com/office/drawing/2014/main" id="{75F68C67-487E-4AA6-A206-27BA3C9A34A0}"/>
-              </a:ext>
-            </a:extLst>
-          </p:cNvPr>
-          <p:cNvSpPr>
-            <a:spLocks noGrp="1"/>
-          </p:cNvSpPr>
-          <p:nvPr>
-            <p:ph idx="1"/>
-          </p:nvPr>
-        </p:nvSpPr>
-        <p:spPr/>
-        <p:txBody>
-          <a:bodyPr/>
-          <a:lstStyle/>
-          <a:p>
-            <a:r>
-              <a:rPr lang="nl-NL" dirty="0" err="1"/>
-              <a:t>jQuery</a:t>
-            </a:r>
-            <a:r>
-              <a:rPr lang="nl-NL" dirty="0"/>
-              <a:t> Ajax (Get en Post)</a:t>
-            </a:r>
-          </a:p>
-          <a:p>
-            <a:r>
-              <a:rPr lang="nl-NL" dirty="0" err="1"/>
-              <a:t>Partial</a:t>
-            </a:r>
-            <a:r>
-              <a:rPr lang="nl-NL" dirty="0"/>
-              <a:t> </a:t>
-            </a:r>
-            <a:r>
-              <a:rPr lang="nl-NL" dirty="0" err="1"/>
-              <a:t>loading</a:t>
-            </a:r>
-            <a:r>
-              <a:rPr lang="nl-NL" dirty="0"/>
-              <a:t> met en zonder Ajax</a:t>
-            </a:r>
-          </a:p>
-          <a:p>
-            <a:r>
-              <a:rPr lang="nl-NL" dirty="0" err="1"/>
-              <a:t>Sessions</a:t>
-            </a:r>
-            <a:endParaRPr lang="nl-NL" dirty="0"/>
-          </a:p>
-        </p:txBody>
-      </p:sp>
-    </p:spTree>
-    <p:extLst>
-      <p:ext uri="{BB962C8B-B14F-4D97-AF65-F5344CB8AC3E}">
-        <p14:creationId xmlns:p14="http://schemas.microsoft.com/office/powerpoint/2010/main" val="2831223302"/>
-      </p:ext>
-    </p:extLst>
-  </p:cSld>
-  <p:clrMapOvr>
-    <a:masterClrMapping/>
-  </p:clrMapOvr>
-</p:sld>
-</file>
-
-<file path=ppt/slides/slide22.xml><?xml version="1.0" encoding="utf-8"?>
-<p:sld xmlns:a="http://schemas.openxmlformats.org/drawingml/2006/main" xmlns:r="http://schemas.openxmlformats.org/officeDocument/2006/relationships" xmlns:p="http://schemas.openxmlformats.org/presentationml/2006/main">
-  <p:cSld>
-    <p:spTree>
-      <p:nvGrpSpPr>
-        <p:cNvPr id="1" name=""/>
-        <p:cNvGrpSpPr/>
-        <p:nvPr/>
-      </p:nvGrpSpPr>
-      <p:grpSpPr>
-        <a:xfrm>
-          <a:off x="0" y="0"/>
-          <a:ext cx="0" cy="0"/>
-          <a:chOff x="0" y="0"/>
-          <a:chExt cx="0" cy="0"/>
-        </a:xfrm>
-      </p:grpSpPr>
-      <p:sp>
-        <p:nvSpPr>
           <p:cNvPr id="2" name="Titel 1"/>
           <p:cNvSpPr>
             <a:spLocks noGrp="1"/>
@@ -8018,7 +7897,7 @@
 </p:sld>
 </file>
 
-<file path=ppt/slides/slide23.xml><?xml version="1.0" encoding="utf-8"?>
+<file path=ppt/slides/slide22.xml><?xml version="1.0" encoding="utf-8"?>
 <p:sld xmlns:a="http://schemas.openxmlformats.org/drawingml/2006/main" xmlns:r="http://schemas.openxmlformats.org/officeDocument/2006/relationships" xmlns:p="http://schemas.openxmlformats.org/presentationml/2006/main">
   <p:cSld>
     <p:spTree>
@@ -8108,7 +7987,7 @@
 </p:sld>
 </file>
 
-<file path=ppt/slides/slide24.xml><?xml version="1.0" encoding="utf-8"?>
+<file path=ppt/slides/slide23.xml><?xml version="1.0" encoding="utf-8"?>
 <p:sld xmlns:a="http://schemas.openxmlformats.org/drawingml/2006/main" xmlns:r="http://schemas.openxmlformats.org/officeDocument/2006/relationships" xmlns:p="http://schemas.openxmlformats.org/presentationml/2006/main">
   <p:cSld>
     <p:spTree>
@@ -8198,7 +8077,7 @@
 </p:sld>
 </file>
 
-<file path=ppt/slides/slide25.xml><?xml version="1.0" encoding="utf-8"?>
+<file path=ppt/slides/slide24.xml><?xml version="1.0" encoding="utf-8"?>
 <p:sld xmlns:a="http://schemas.openxmlformats.org/drawingml/2006/main" xmlns:r="http://schemas.openxmlformats.org/officeDocument/2006/relationships" xmlns:p="http://schemas.openxmlformats.org/presentationml/2006/main">
   <p:cSld>
     <p:spTree>
@@ -8288,7 +8167,7 @@
 </p:sld>
 </file>
 
-<file path=ppt/slides/slide26.xml><?xml version="1.0" encoding="utf-8"?>
+<file path=ppt/slides/slide25.xml><?xml version="1.0" encoding="utf-8"?>
 <p:sld xmlns:a="http://schemas.openxmlformats.org/drawingml/2006/main" xmlns:r="http://schemas.openxmlformats.org/officeDocument/2006/relationships" xmlns:p="http://schemas.openxmlformats.org/presentationml/2006/main">
   <p:cSld>
     <p:spTree>
@@ -8389,7 +8268,7 @@
 </p:sld>
 </file>
 
-<file path=ppt/slides/slide27.xml><?xml version="1.0" encoding="utf-8"?>
+<file path=ppt/slides/slide26.xml><?xml version="1.0" encoding="utf-8"?>
 <p:sld xmlns:a="http://schemas.openxmlformats.org/drawingml/2006/main" xmlns:r="http://schemas.openxmlformats.org/officeDocument/2006/relationships" xmlns:p="http://schemas.openxmlformats.org/presentationml/2006/main">
   <p:cSld>
     <p:spTree>
@@ -8495,7 +8374,7 @@
 </p:sld>
 </file>
 
-<file path=ppt/slides/slide28.xml><?xml version="1.0" encoding="utf-8"?>
+<file path=ppt/slides/slide27.xml><?xml version="1.0" encoding="utf-8"?>
 <p:sld xmlns:a="http://schemas.openxmlformats.org/drawingml/2006/main" xmlns:r="http://schemas.openxmlformats.org/officeDocument/2006/relationships" xmlns:p="http://schemas.openxmlformats.org/presentationml/2006/main">
   <p:cSld>
     <p:spTree>
@@ -8631,7 +8510,7 @@
 </p:sld>
 </file>
 
-<file path=ppt/slides/slide29.xml><?xml version="1.0" encoding="utf-8"?>
+<file path=ppt/slides/slide28.xml><?xml version="1.0" encoding="utf-8"?>
 <p:sld xmlns:a="http://schemas.openxmlformats.org/drawingml/2006/main" xmlns:r="http://schemas.openxmlformats.org/officeDocument/2006/relationships" xmlns:p="http://schemas.openxmlformats.org/presentationml/2006/main">
   <p:cSld>
     <p:spTree>
@@ -8756,117 +8635,7 @@
 </p:sld>
 </file>
 
-<file path=ppt/slides/slide3.xml><?xml version="1.0" encoding="utf-8"?>
-<p:sld xmlns:a="http://schemas.openxmlformats.org/drawingml/2006/main" xmlns:r="http://schemas.openxmlformats.org/officeDocument/2006/relationships" xmlns:p="http://schemas.openxmlformats.org/presentationml/2006/main">
-  <p:cSld>
-    <p:spTree>
-      <p:nvGrpSpPr>
-        <p:cNvPr id="1" name=""/>
-        <p:cNvGrpSpPr/>
-        <p:nvPr/>
-      </p:nvGrpSpPr>
-      <p:grpSpPr>
-        <a:xfrm>
-          <a:off x="0" y="0"/>
-          <a:ext cx="0" cy="0"/>
-          <a:chOff x="0" y="0"/>
-          <a:chExt cx="0" cy="0"/>
-        </a:xfrm>
-      </p:grpSpPr>
-      <p:sp>
-        <p:nvSpPr>
-          <p:cNvPr id="2" name="Titel 1"/>
-          <p:cNvSpPr>
-            <a:spLocks noGrp="1"/>
-          </p:cNvSpPr>
-          <p:nvPr>
-            <p:ph type="title"/>
-          </p:nvPr>
-        </p:nvSpPr>
-        <p:spPr/>
-        <p:txBody>
-          <a:bodyPr/>
-          <a:lstStyle/>
-          <a:p>
-            <a:r>
-              <a:rPr lang="nl-NL" dirty="0"/>
-              <a:t>Inleiding</a:t>
-            </a:r>
-          </a:p>
-        </p:txBody>
-      </p:sp>
-      <p:sp>
-        <p:nvSpPr>
-          <p:cNvPr id="3" name="Tijdelijke aanduiding voor inhoud 2"/>
-          <p:cNvSpPr>
-            <a:spLocks noGrp="1"/>
-          </p:cNvSpPr>
-          <p:nvPr>
-            <p:ph idx="1"/>
-          </p:nvPr>
-        </p:nvSpPr>
-        <p:spPr/>
-        <p:txBody>
-          <a:bodyPr/>
-          <a:lstStyle/>
-          <a:p>
-            <a:r>
-              <a:rPr lang="nl-NL" dirty="0"/>
-              <a:t>ASP.NET</a:t>
-            </a:r>
-          </a:p>
-          <a:p>
-            <a:r>
-              <a:rPr lang="nl-NL" dirty="0"/>
-              <a:t>MVC</a:t>
-            </a:r>
-          </a:p>
-        </p:txBody>
-      </p:sp>
-      <p:pic>
-        <p:nvPicPr>
-          <p:cNvPr id="5" name="Afbeelding 4">
-            <a:extLst>
-              <a:ext uri="{FF2B5EF4-FFF2-40B4-BE49-F238E27FC236}">
-                <a16:creationId xmlns:a16="http://schemas.microsoft.com/office/drawing/2014/main" id="{5A91765E-FED4-4109-9F0B-AAFBBBCB5C53}"/>
-              </a:ext>
-            </a:extLst>
-          </p:cNvPr>
-          <p:cNvPicPr>
-            <a:picLocks noChangeAspect="1"/>
-          </p:cNvPicPr>
-          <p:nvPr/>
-        </p:nvPicPr>
-        <p:blipFill>
-          <a:blip r:embed="rId2"/>
-          <a:stretch>
-            <a:fillRect/>
-          </a:stretch>
-        </p:blipFill>
-        <p:spPr>
-          <a:xfrm>
-            <a:off x="4014831" y="1728787"/>
-            <a:ext cx="5638800" cy="3400425"/>
-          </a:xfrm>
-          <a:prstGeom prst="rect">
-            <a:avLst/>
-          </a:prstGeom>
-        </p:spPr>
-      </p:pic>
-    </p:spTree>
-    <p:extLst>
-      <p:ext uri="{BB962C8B-B14F-4D97-AF65-F5344CB8AC3E}">
-        <p14:creationId xmlns:p14="http://schemas.microsoft.com/office/powerpoint/2010/main" val="735849069"/>
-      </p:ext>
-    </p:extLst>
-  </p:cSld>
-  <p:clrMapOvr>
-    <a:masterClrMapping/>
-  </p:clrMapOvr>
-</p:sld>
-</file>
-
-<file path=ppt/slides/slide30.xml><?xml version="1.0" encoding="utf-8"?>
+<file path=ppt/slides/slide29.xml><?xml version="1.0" encoding="utf-8"?>
 <p:sld xmlns:a="http://schemas.openxmlformats.org/drawingml/2006/main" xmlns:r="http://schemas.openxmlformats.org/officeDocument/2006/relationships" xmlns:p="http://schemas.openxmlformats.org/presentationml/2006/main">
   <p:cSld>
     <p:spTree>
@@ -9021,6 +8790,216 @@
 </p:sld>
 </file>
 
+<file path=ppt/slides/slide3.xml><?xml version="1.0" encoding="utf-8"?>
+<p:sld xmlns:a="http://schemas.openxmlformats.org/drawingml/2006/main" xmlns:r="http://schemas.openxmlformats.org/officeDocument/2006/relationships" xmlns:p="http://schemas.openxmlformats.org/presentationml/2006/main">
+  <p:cSld>
+    <p:spTree>
+      <p:nvGrpSpPr>
+        <p:cNvPr id="1" name=""/>
+        <p:cNvGrpSpPr/>
+        <p:nvPr/>
+      </p:nvGrpSpPr>
+      <p:grpSpPr>
+        <a:xfrm>
+          <a:off x="0" y="0"/>
+          <a:ext cx="0" cy="0"/>
+          <a:chOff x="0" y="0"/>
+          <a:chExt cx="0" cy="0"/>
+        </a:xfrm>
+      </p:grpSpPr>
+      <p:sp>
+        <p:nvSpPr>
+          <p:cNvPr id="2" name="Titel 1"/>
+          <p:cNvSpPr>
+            <a:spLocks noGrp="1"/>
+          </p:cNvSpPr>
+          <p:nvPr>
+            <p:ph type="title"/>
+          </p:nvPr>
+        </p:nvSpPr>
+        <p:spPr/>
+        <p:txBody>
+          <a:bodyPr/>
+          <a:lstStyle/>
+          <a:p>
+            <a:r>
+              <a:rPr lang="nl-NL" dirty="0"/>
+              <a:t>ASP.NET</a:t>
+            </a:r>
+          </a:p>
+        </p:txBody>
+      </p:sp>
+      <p:sp>
+        <p:nvSpPr>
+          <p:cNvPr id="3" name="Tijdelijke aanduiding voor inhoud 2"/>
+          <p:cNvSpPr>
+            <a:spLocks noGrp="1"/>
+          </p:cNvSpPr>
+          <p:nvPr>
+            <p:ph idx="1"/>
+          </p:nvPr>
+        </p:nvSpPr>
+        <p:spPr/>
+        <p:txBody>
+          <a:bodyPr/>
+          <a:lstStyle/>
+          <a:p>
+            <a:r>
+              <a:rPr lang="nl-NL" dirty="0"/>
+              <a:t>Server Side Web Application</a:t>
+            </a:r>
+          </a:p>
+          <a:p>
+            <a:r>
+              <a:rPr lang="nl-NL" dirty="0"/>
+              <a:t>Active Server Pages (ASP)</a:t>
+            </a:r>
+          </a:p>
+          <a:p>
+            <a:r>
+              <a:rPr lang="nl-NL" dirty="0"/>
+              <a:t>Januari 2002 </a:t>
+            </a:r>
+          </a:p>
+          <a:p>
+            <a:r>
+              <a:rPr lang="nl-NL" dirty="0"/>
+              <a:t>v1.0 van het .NET-</a:t>
+            </a:r>
+            <a:r>
+              <a:rPr lang="nl-NL" dirty="0" err="1"/>
+              <a:t>framework</a:t>
+            </a:r>
+            <a:endParaRPr lang="nl-NL" dirty="0"/>
+          </a:p>
+        </p:txBody>
+      </p:sp>
+    </p:spTree>
+    <p:extLst>
+      <p:ext uri="{BB962C8B-B14F-4D97-AF65-F5344CB8AC3E}">
+        <p14:creationId xmlns:p14="http://schemas.microsoft.com/office/powerpoint/2010/main" val="4061673808"/>
+      </p:ext>
+    </p:extLst>
+  </p:cSld>
+  <p:clrMapOvr>
+    <a:masterClrMapping/>
+  </p:clrMapOvr>
+</p:sld>
+</file>
+
+<file path=ppt/slides/slide30.xml><?xml version="1.0" encoding="utf-8"?>
+<p:sld xmlns:a="http://schemas.openxmlformats.org/drawingml/2006/main" xmlns:r="http://schemas.openxmlformats.org/officeDocument/2006/relationships" xmlns:p="http://schemas.openxmlformats.org/presentationml/2006/main">
+  <p:cSld>
+    <p:spTree>
+      <p:nvGrpSpPr>
+        <p:cNvPr id="1" name=""/>
+        <p:cNvGrpSpPr/>
+        <p:nvPr/>
+      </p:nvGrpSpPr>
+      <p:grpSpPr>
+        <a:xfrm>
+          <a:off x="0" y="0"/>
+          <a:ext cx="0" cy="0"/>
+          <a:chOff x="0" y="0"/>
+          <a:chExt cx="0" cy="0"/>
+        </a:xfrm>
+      </p:grpSpPr>
+      <p:sp>
+        <p:nvSpPr>
+          <p:cNvPr id="2" name="Titel 1"/>
+          <p:cNvSpPr>
+            <a:spLocks noGrp="1"/>
+          </p:cNvSpPr>
+          <p:nvPr>
+            <p:ph type="title"/>
+          </p:nvPr>
+        </p:nvSpPr>
+        <p:spPr/>
+        <p:txBody>
+          <a:bodyPr/>
+          <a:lstStyle/>
+          <a:p>
+            <a:r>
+              <a:rPr lang="nl-NL" dirty="0"/>
+              <a:t>Oefeningen</a:t>
+            </a:r>
+          </a:p>
+        </p:txBody>
+      </p:sp>
+      <p:sp>
+        <p:nvSpPr>
+          <p:cNvPr id="3" name="Tijdelijke aanduiding voor inhoud 2"/>
+          <p:cNvSpPr>
+            <a:spLocks noGrp="1"/>
+          </p:cNvSpPr>
+          <p:nvPr>
+            <p:ph idx="1"/>
+          </p:nvPr>
+        </p:nvSpPr>
+        <p:spPr/>
+        <p:txBody>
+          <a:bodyPr/>
+          <a:lstStyle/>
+          <a:p>
+            <a:pPr marL="0" indent="0">
+              <a:buNone/>
+            </a:pPr>
+            <a:r>
+              <a:rPr lang="nl-NL" dirty="0"/>
+              <a:t>Oefeningen over jQuery Ajax: </a:t>
+            </a:r>
+          </a:p>
+          <a:p>
+            <a:r>
+              <a:rPr lang="nl-NL" dirty="0"/>
+              <a:t>Get en post</a:t>
+            </a:r>
+          </a:p>
+          <a:p>
+            <a:r>
+              <a:rPr lang="nl-NL" dirty="0"/>
+              <a:t>partial loading met en zonder Ajax </a:t>
+            </a:r>
+          </a:p>
+          <a:p>
+            <a:r>
+              <a:rPr lang="nl-NL" dirty="0"/>
+              <a:t>Sessions </a:t>
+            </a:r>
+          </a:p>
+          <a:p>
+            <a:pPr marL="0" indent="0">
+              <a:buNone/>
+            </a:pPr>
+            <a:endParaRPr lang="nl-NL" dirty="0"/>
+          </a:p>
+          <a:p>
+            <a:r>
+              <a:rPr lang="nl-NL" dirty="0"/>
+              <a:t>Groepjes van 2</a:t>
+            </a:r>
+          </a:p>
+          <a:p>
+            <a:pPr marL="0" indent="0">
+              <a:buNone/>
+            </a:pPr>
+            <a:endParaRPr lang="nl-NL" dirty="0"/>
+          </a:p>
+        </p:txBody>
+      </p:sp>
+    </p:spTree>
+    <p:extLst>
+      <p:ext uri="{BB962C8B-B14F-4D97-AF65-F5344CB8AC3E}">
+        <p14:creationId xmlns:p14="http://schemas.microsoft.com/office/powerpoint/2010/main" val="3474297063"/>
+      </p:ext>
+    </p:extLst>
+  </p:cSld>
+  <p:clrMapOvr>
+    <a:masterClrMapping/>
+  </p:clrMapOvr>
+</p:sld>
+</file>
+
 <file path=ppt/slides/slide31.xml><?xml version="1.0" encoding="utf-8"?>
 <p:sld xmlns:a="http://schemas.openxmlformats.org/drawingml/2006/main" xmlns:r="http://schemas.openxmlformats.org/officeDocument/2006/relationships" xmlns:p="http://schemas.openxmlformats.org/presentationml/2006/main">
   <p:cSld>
@@ -9055,7 +9034,7 @@
           <a:p>
             <a:r>
               <a:rPr lang="nl-NL" dirty="0"/>
-              <a:t>Oefeningen</a:t>
+              <a:t>Kahoot quiz</a:t>
             </a:r>
           </a:p>
         </p:txBody>
@@ -9075,56 +9054,17 @@
           <a:bodyPr/>
           <a:lstStyle/>
           <a:p>
-            <a:pPr marL="0" indent="0">
-              <a:buNone/>
-            </a:pPr>
-            <a:r>
-              <a:rPr lang="nl-NL" dirty="0"/>
-              <a:t>Oefeningen over jQuery Ajax: </a:t>
-            </a:r>
-          </a:p>
-          <a:p>
-            <a:r>
-              <a:rPr lang="nl-NL" dirty="0"/>
-              <a:t>Get en post</a:t>
-            </a:r>
-          </a:p>
-          <a:p>
-            <a:r>
-              <a:rPr lang="nl-NL" dirty="0"/>
-              <a:t>partial loading met en zonder Ajax </a:t>
-            </a:r>
-          </a:p>
-          <a:p>
-            <a:r>
-              <a:rPr lang="nl-NL" dirty="0"/>
-              <a:t>Sessions </a:t>
-            </a:r>
-          </a:p>
-          <a:p>
-            <a:pPr marL="0" indent="0">
-              <a:buNone/>
-            </a:pPr>
-            <a:endParaRPr lang="nl-NL" dirty="0"/>
-          </a:p>
-          <a:p>
-            <a:r>
-              <a:rPr lang="nl-NL" dirty="0"/>
-              <a:t>Groepjes van 2</a:t>
-            </a:r>
-          </a:p>
-          <a:p>
-            <a:pPr marL="0" indent="0">
-              <a:buNone/>
-            </a:pPr>
-            <a:endParaRPr lang="nl-NL" dirty="0"/>
+            <a:r>
+              <a:rPr lang="nl-NL" dirty="0"/>
+              <a:t>Heb je goed opgelet deze les?</a:t>
+            </a:r>
           </a:p>
         </p:txBody>
       </p:sp>
     </p:spTree>
     <p:extLst>
       <p:ext uri="{BB962C8B-B14F-4D97-AF65-F5344CB8AC3E}">
-        <p14:creationId xmlns:p14="http://schemas.microsoft.com/office/powerpoint/2010/main" val="3474297063"/>
+        <p14:creationId xmlns:p14="http://schemas.microsoft.com/office/powerpoint/2010/main" val="395559529"/>
       </p:ext>
     </p:extLst>
   </p:cSld>
@@ -9168,80 +9108,6 @@
           <a:p>
             <a:r>
               <a:rPr lang="nl-NL" dirty="0"/>
-              <a:t>Kahoot quiz</a:t>
-            </a:r>
-          </a:p>
-        </p:txBody>
-      </p:sp>
-      <p:sp>
-        <p:nvSpPr>
-          <p:cNvPr id="3" name="Tijdelijke aanduiding voor inhoud 2"/>
-          <p:cNvSpPr>
-            <a:spLocks noGrp="1"/>
-          </p:cNvSpPr>
-          <p:nvPr>
-            <p:ph idx="1"/>
-          </p:nvPr>
-        </p:nvSpPr>
-        <p:spPr/>
-        <p:txBody>
-          <a:bodyPr/>
-          <a:lstStyle/>
-          <a:p>
-            <a:r>
-              <a:rPr lang="nl-NL" dirty="0"/>
-              <a:t>Heb je goed opgelet deze les?</a:t>
-            </a:r>
-          </a:p>
-        </p:txBody>
-      </p:sp>
-    </p:spTree>
-    <p:extLst>
-      <p:ext uri="{BB962C8B-B14F-4D97-AF65-F5344CB8AC3E}">
-        <p14:creationId xmlns:p14="http://schemas.microsoft.com/office/powerpoint/2010/main" val="395559529"/>
-      </p:ext>
-    </p:extLst>
-  </p:cSld>
-  <p:clrMapOvr>
-    <a:masterClrMapping/>
-  </p:clrMapOvr>
-</p:sld>
-</file>
-
-<file path=ppt/slides/slide33.xml><?xml version="1.0" encoding="utf-8"?>
-<p:sld xmlns:a="http://schemas.openxmlformats.org/drawingml/2006/main" xmlns:r="http://schemas.openxmlformats.org/officeDocument/2006/relationships" xmlns:p="http://schemas.openxmlformats.org/presentationml/2006/main">
-  <p:cSld>
-    <p:spTree>
-      <p:nvGrpSpPr>
-        <p:cNvPr id="1" name=""/>
-        <p:cNvGrpSpPr/>
-        <p:nvPr/>
-      </p:nvGrpSpPr>
-      <p:grpSpPr>
-        <a:xfrm>
-          <a:off x="0" y="0"/>
-          <a:ext cx="0" cy="0"/>
-          <a:chOff x="0" y="0"/>
-          <a:chExt cx="0" cy="0"/>
-        </a:xfrm>
-      </p:grpSpPr>
-      <p:sp>
-        <p:nvSpPr>
-          <p:cNvPr id="2" name="Titel 1"/>
-          <p:cNvSpPr>
-            <a:spLocks noGrp="1"/>
-          </p:cNvSpPr>
-          <p:nvPr>
-            <p:ph type="title"/>
-          </p:nvPr>
-        </p:nvSpPr>
-        <p:spPr/>
-        <p:txBody>
-          <a:bodyPr/>
-          <a:lstStyle/>
-          <a:p>
-            <a:r>
-              <a:rPr lang="nl-NL" dirty="0"/>
               <a:t>Terugkoppeling</a:t>
             </a:r>
           </a:p>
@@ -9286,103 +9152,6 @@
 </file>
 
 <file path=ppt/slides/slide4.xml><?xml version="1.0" encoding="utf-8"?>
-<p:sld xmlns:a="http://schemas.openxmlformats.org/drawingml/2006/main" xmlns:r="http://schemas.openxmlformats.org/officeDocument/2006/relationships" xmlns:p="http://schemas.openxmlformats.org/presentationml/2006/main">
-  <p:cSld>
-    <p:spTree>
-      <p:nvGrpSpPr>
-        <p:cNvPr id="1" name=""/>
-        <p:cNvGrpSpPr/>
-        <p:nvPr/>
-      </p:nvGrpSpPr>
-      <p:grpSpPr>
-        <a:xfrm>
-          <a:off x="0" y="0"/>
-          <a:ext cx="0" cy="0"/>
-          <a:chOff x="0" y="0"/>
-          <a:chExt cx="0" cy="0"/>
-        </a:xfrm>
-      </p:grpSpPr>
-      <p:sp>
-        <p:nvSpPr>
-          <p:cNvPr id="2" name="Titel 1"/>
-          <p:cNvSpPr>
-            <a:spLocks noGrp="1"/>
-          </p:cNvSpPr>
-          <p:nvPr>
-            <p:ph type="title"/>
-          </p:nvPr>
-        </p:nvSpPr>
-        <p:spPr/>
-        <p:txBody>
-          <a:bodyPr/>
-          <a:lstStyle/>
-          <a:p>
-            <a:r>
-              <a:rPr lang="nl-NL" dirty="0"/>
-              <a:t>ASP.NET</a:t>
-            </a:r>
-          </a:p>
-        </p:txBody>
-      </p:sp>
-      <p:sp>
-        <p:nvSpPr>
-          <p:cNvPr id="3" name="Tijdelijke aanduiding voor inhoud 2"/>
-          <p:cNvSpPr>
-            <a:spLocks noGrp="1"/>
-          </p:cNvSpPr>
-          <p:nvPr>
-            <p:ph idx="1"/>
-          </p:nvPr>
-        </p:nvSpPr>
-        <p:spPr/>
-        <p:txBody>
-          <a:bodyPr/>
-          <a:lstStyle/>
-          <a:p>
-            <a:r>
-              <a:rPr lang="nl-NL" dirty="0"/>
-              <a:t>Server Side Web Application</a:t>
-            </a:r>
-          </a:p>
-          <a:p>
-            <a:r>
-              <a:rPr lang="nl-NL" dirty="0"/>
-              <a:t>Active Server Pages (ASP)</a:t>
-            </a:r>
-          </a:p>
-          <a:p>
-            <a:r>
-              <a:rPr lang="nl-NL" dirty="0"/>
-              <a:t>Januari 2002 </a:t>
-            </a:r>
-          </a:p>
-          <a:p>
-            <a:r>
-              <a:rPr lang="nl-NL" dirty="0"/>
-              <a:t>v1.0 van het .NET-</a:t>
-            </a:r>
-            <a:r>
-              <a:rPr lang="nl-NL" dirty="0" err="1"/>
-              <a:t>framework</a:t>
-            </a:r>
-            <a:endParaRPr lang="nl-NL" dirty="0"/>
-          </a:p>
-        </p:txBody>
-      </p:sp>
-    </p:spTree>
-    <p:extLst>
-      <p:ext uri="{BB962C8B-B14F-4D97-AF65-F5344CB8AC3E}">
-        <p14:creationId xmlns:p14="http://schemas.microsoft.com/office/powerpoint/2010/main" val="4061673808"/>
-      </p:ext>
-    </p:extLst>
-  </p:cSld>
-  <p:clrMapOvr>
-    <a:masterClrMapping/>
-  </p:clrMapOvr>
-</p:sld>
-</file>
-
-<file path=ppt/slides/slide5.xml><?xml version="1.0" encoding="utf-8"?>
 <p:sld xmlns:a="http://schemas.openxmlformats.org/drawingml/2006/main" xmlns:r="http://schemas.openxmlformats.org/officeDocument/2006/relationships" xmlns:p="http://schemas.openxmlformats.org/presentationml/2006/main">
   <p:cSld>
     <p:spTree>
@@ -9549,6 +9318,100 @@
 </p:sld>
 </file>
 
+<file path=ppt/slides/slide5.xml><?xml version="1.0" encoding="utf-8"?>
+<p:sld xmlns:a="http://schemas.openxmlformats.org/drawingml/2006/main" xmlns:r="http://schemas.openxmlformats.org/officeDocument/2006/relationships" xmlns:p="http://schemas.openxmlformats.org/presentationml/2006/main">
+  <p:cSld>
+    <p:spTree>
+      <p:nvGrpSpPr>
+        <p:cNvPr id="1" name=""/>
+        <p:cNvGrpSpPr/>
+        <p:nvPr/>
+      </p:nvGrpSpPr>
+      <p:grpSpPr>
+        <a:xfrm>
+          <a:off x="0" y="0"/>
+          <a:ext cx="0" cy="0"/>
+          <a:chOff x="0" y="0"/>
+          <a:chExt cx="0" cy="0"/>
+        </a:xfrm>
+      </p:grpSpPr>
+      <p:sp>
+        <p:nvSpPr>
+          <p:cNvPr id="2" name="Titel 1"/>
+          <p:cNvSpPr>
+            <a:spLocks noGrp="1"/>
+          </p:cNvSpPr>
+          <p:nvPr>
+            <p:ph type="title"/>
+          </p:nvPr>
+        </p:nvSpPr>
+        <p:spPr/>
+        <p:txBody>
+          <a:bodyPr/>
+          <a:lstStyle/>
+          <a:p>
+            <a:r>
+              <a:rPr lang="nl-NL" dirty="0"/>
+              <a:t>Verschil ASP.NET EN ASP.NET MVC</a:t>
+            </a:r>
+          </a:p>
+        </p:txBody>
+      </p:sp>
+      <p:sp>
+        <p:nvSpPr>
+          <p:cNvPr id="3" name="Tijdelijke aanduiding voor inhoud 2"/>
+          <p:cNvSpPr>
+            <a:spLocks noGrp="1"/>
+          </p:cNvSpPr>
+          <p:nvPr>
+            <p:ph idx="1"/>
+          </p:nvPr>
+        </p:nvSpPr>
+        <p:spPr/>
+        <p:txBody>
+          <a:bodyPr/>
+          <a:lstStyle/>
+          <a:p>
+            <a:r>
+              <a:rPr lang="nl-NL" dirty="0"/>
+              <a:t>Code </a:t>
+            </a:r>
+            <a:r>
+              <a:rPr lang="nl-NL" dirty="0" err="1"/>
+              <a:t>behind</a:t>
+            </a:r>
+            <a:r>
+              <a:rPr lang="nl-NL" dirty="0"/>
+              <a:t> file voor elke pagina</a:t>
+            </a:r>
+          </a:p>
+          <a:p>
+            <a:r>
+              <a:rPr lang="nl-NL" dirty="0"/>
+              <a:t>Controller voor meerder pagina’s</a:t>
+            </a:r>
+          </a:p>
+          <a:p>
+            <a:r>
+              <a:rPr lang="nl-NL" dirty="0"/>
+              <a:t>Meer flexibiliteit</a:t>
+            </a:r>
+          </a:p>
+        </p:txBody>
+      </p:sp>
+    </p:spTree>
+    <p:extLst>
+      <p:ext uri="{BB962C8B-B14F-4D97-AF65-F5344CB8AC3E}">
+        <p14:creationId xmlns:p14="http://schemas.microsoft.com/office/powerpoint/2010/main" val="4105595758"/>
+      </p:ext>
+    </p:extLst>
+  </p:cSld>
+  <p:clrMapOvr>
+    <a:masterClrMapping/>
+  </p:clrMapOvr>
+</p:sld>
+</file>
+
 <file path=ppt/slides/slide6.xml><?xml version="1.0" encoding="utf-8"?>
 <p:sld xmlns:a="http://schemas.openxmlformats.org/drawingml/2006/main" xmlns:r="http://schemas.openxmlformats.org/officeDocument/2006/relationships" xmlns:p="http://schemas.openxmlformats.org/presentationml/2006/main">
   <p:cSld>
@@ -9568,7 +9431,13 @@
       </p:grpSpPr>
       <p:sp>
         <p:nvSpPr>
-          <p:cNvPr id="2" name="Titel 1"/>
+          <p:cNvPr id="2" name="Titel 1">
+            <a:extLst>
+              <a:ext uri="{FF2B5EF4-FFF2-40B4-BE49-F238E27FC236}">
+                <a16:creationId xmlns:a16="http://schemas.microsoft.com/office/drawing/2014/main" id="{B2C58AAB-47C0-4EDA-8A8D-FEC7E1E82FBF}"/>
+              </a:ext>
+            </a:extLst>
+          </p:cNvPr>
           <p:cNvSpPr>
             <a:spLocks noGrp="1"/>
           </p:cNvSpPr>
@@ -9583,14 +9452,20 @@
           <a:p>
             <a:r>
               <a:rPr lang="nl-NL" dirty="0"/>
-              <a:t>Verschil ASP.NET EN ASP.NET MVC</a:t>
-            </a:r>
-          </a:p>
-        </p:txBody>
-      </p:sp>
-      <p:sp>
-        <p:nvSpPr>
-          <p:cNvPr id="3" name="Tijdelijke aanduiding voor inhoud 2"/>
+              <a:t>Inhoud onderwerpen oefeningen</a:t>
+            </a:r>
+          </a:p>
+        </p:txBody>
+      </p:sp>
+      <p:sp>
+        <p:nvSpPr>
+          <p:cNvPr id="3" name="Tijdelijke aanduiding voor inhoud 2">
+            <a:extLst>
+              <a:ext uri="{FF2B5EF4-FFF2-40B4-BE49-F238E27FC236}">
+                <a16:creationId xmlns:a16="http://schemas.microsoft.com/office/drawing/2014/main" id="{0C5671B8-2C8C-4DF0-9F59-1E54656ED175}"/>
+              </a:ext>
+            </a:extLst>
+          </p:cNvPr>
           <p:cNvSpPr>
             <a:spLocks noGrp="1"/>
           </p:cNvSpPr>
@@ -9605,27 +9480,38 @@
           <a:p>
             <a:r>
               <a:rPr lang="nl-NL" dirty="0"/>
-              <a:t>Code </a:t>
-            </a:r>
+              <a:t>Model</a:t>
+            </a:r>
+          </a:p>
+          <a:p>
+            <a:r>
+              <a:rPr lang="nl-NL" dirty="0"/>
+              <a:t>View</a:t>
+            </a:r>
+          </a:p>
+          <a:p>
+            <a:r>
+              <a:rPr lang="nl-NL" dirty="0"/>
+              <a:t>Controller</a:t>
+            </a:r>
+          </a:p>
+          <a:p>
+            <a:r>
+              <a:rPr lang="nl-NL" dirty="0"/>
+              <a:t>Get en Post</a:t>
+            </a:r>
+          </a:p>
+          <a:p>
             <a:r>
               <a:rPr lang="nl-NL" dirty="0" err="1"/>
-              <a:t>behind</a:t>
-            </a:r>
-            <a:r>
-              <a:rPr lang="nl-NL" dirty="0"/>
-              <a:t> file voor elke pagina</a:t>
-            </a:r>
-          </a:p>
-          <a:p>
-            <a:r>
-              <a:rPr lang="nl-NL" dirty="0"/>
-              <a:t>Controller voor meerder pagina’s</a:t>
-            </a:r>
-          </a:p>
-          <a:p>
-            <a:r>
-              <a:rPr lang="nl-NL" dirty="0"/>
-              <a:t>Meer flexibiliteit</a:t>
+              <a:t>Razor</a:t>
+            </a:r>
+            <a:endParaRPr lang="nl-NL" dirty="0"/>
+          </a:p>
+          <a:p>
+            <a:r>
+              <a:rPr lang="nl-NL" dirty="0"/>
+              <a:t>Html helpers</a:t>
             </a:r>
           </a:p>
         </p:txBody>
@@ -9633,7 +9519,7 @@
     </p:spTree>
     <p:extLst>
       <p:ext uri="{BB962C8B-B14F-4D97-AF65-F5344CB8AC3E}">
-        <p14:creationId xmlns:p14="http://schemas.microsoft.com/office/powerpoint/2010/main" val="4105595758"/>
+        <p14:creationId xmlns:p14="http://schemas.microsoft.com/office/powerpoint/2010/main" val="673027908"/>
       </p:ext>
     </p:extLst>
   </p:cSld>
@@ -9662,13 +9548,7 @@
       </p:grpSpPr>
       <p:sp>
         <p:nvSpPr>
-          <p:cNvPr id="2" name="Titel 1">
-            <a:extLst>
-              <a:ext uri="{FF2B5EF4-FFF2-40B4-BE49-F238E27FC236}">
-                <a16:creationId xmlns:a16="http://schemas.microsoft.com/office/drawing/2014/main" id="{B2C58AAB-47C0-4EDA-8A8D-FEC7E1E82FBF}"/>
-              </a:ext>
-            </a:extLst>
-          </p:cNvPr>
+          <p:cNvPr id="2" name="Titel 1"/>
           <p:cNvSpPr>
             <a:spLocks noGrp="1"/>
           </p:cNvSpPr>
@@ -9683,20 +9563,14 @@
           <a:p>
             <a:r>
               <a:rPr lang="nl-NL" dirty="0"/>
-              <a:t>Inhoud onderwerpen oefeningen</a:t>
-            </a:r>
-          </a:p>
-        </p:txBody>
-      </p:sp>
-      <p:sp>
-        <p:nvSpPr>
-          <p:cNvPr id="3" name="Tijdelijke aanduiding voor inhoud 2">
-            <a:extLst>
-              <a:ext uri="{FF2B5EF4-FFF2-40B4-BE49-F238E27FC236}">
-                <a16:creationId xmlns:a16="http://schemas.microsoft.com/office/drawing/2014/main" id="{0C5671B8-2C8C-4DF0-9F59-1E54656ED175}"/>
-              </a:ext>
-            </a:extLst>
-          </p:cNvPr>
+              <a:t>Model</a:t>
+            </a:r>
+          </a:p>
+        </p:txBody>
+      </p:sp>
+      <p:sp>
+        <p:nvSpPr>
+          <p:cNvPr id="3" name="Tijdelijke aanduiding voor inhoud 2"/>
           <p:cNvSpPr>
             <a:spLocks noGrp="1"/>
           </p:cNvSpPr>
@@ -9711,38 +9585,39 @@
           <a:p>
             <a:r>
               <a:rPr lang="nl-NL" dirty="0"/>
-              <a:t>Model</a:t>
-            </a:r>
-          </a:p>
-          <a:p>
-            <a:r>
-              <a:rPr lang="nl-NL" dirty="0"/>
-              <a:t>View</a:t>
-            </a:r>
-          </a:p>
-          <a:p>
-            <a:r>
-              <a:rPr lang="nl-NL" dirty="0"/>
-              <a:t>Controller</a:t>
-            </a:r>
-          </a:p>
-          <a:p>
-            <a:r>
-              <a:rPr lang="nl-NL" dirty="0"/>
-              <a:t>Get en Post</a:t>
-            </a:r>
-          </a:p>
-          <a:p>
+              <a:t>Representatie van data</a:t>
+            </a:r>
+          </a:p>
+          <a:p>
+            <a:r>
+              <a:rPr lang="nl-NL" dirty="0"/>
+              <a:t>Relaties tussen data en logica</a:t>
+            </a:r>
+          </a:p>
+          <a:p>
+            <a:r>
+              <a:rPr lang="nl-NL" dirty="0"/>
+              <a:t>Data in opslagmedium </a:t>
+            </a:r>
             <a:r>
               <a:rPr lang="nl-NL" dirty="0" err="1"/>
-              <a:t>Razor</a:t>
-            </a:r>
-            <a:endParaRPr lang="nl-NL" dirty="0"/>
-          </a:p>
-          <a:p>
-            <a:r>
-              <a:rPr lang="nl-NL" dirty="0"/>
-              <a:t>Html helpers</a:t>
+              <a:t>bijv</a:t>
+            </a:r>
+            <a:r>
+              <a:rPr lang="nl-NL" dirty="0"/>
+              <a:t>(Database)</a:t>
+            </a:r>
+          </a:p>
+          <a:p>
+            <a:r>
+              <a:rPr lang="nl-NL" dirty="0"/>
+              <a:t>Tabel in database</a:t>
+            </a:r>
+          </a:p>
+          <a:p>
+            <a:r>
+              <a:rPr lang="nl-NL" dirty="0"/>
+              <a:t>C# of VB</a:t>
             </a:r>
           </a:p>
         </p:txBody>
@@ -9750,7 +9625,7 @@
     </p:spTree>
     <p:extLst>
       <p:ext uri="{BB962C8B-B14F-4D97-AF65-F5344CB8AC3E}">
-        <p14:creationId xmlns:p14="http://schemas.microsoft.com/office/powerpoint/2010/main" val="673027908"/>
+        <p14:creationId xmlns:p14="http://schemas.microsoft.com/office/powerpoint/2010/main" val="488190276"/>
       </p:ext>
     </p:extLst>
   </p:cSld>
@@ -9779,7 +9654,13 @@
       </p:grpSpPr>
       <p:sp>
         <p:nvSpPr>
-          <p:cNvPr id="2" name="Titel 1"/>
+          <p:cNvPr id="2" name="Titel 1">
+            <a:extLst>
+              <a:ext uri="{FF2B5EF4-FFF2-40B4-BE49-F238E27FC236}">
+                <a16:creationId xmlns:a16="http://schemas.microsoft.com/office/drawing/2014/main" id="{042627C0-005C-4FB6-AC84-BA4FE7A981DF}"/>
+              </a:ext>
+            </a:extLst>
+          </p:cNvPr>
           <p:cNvSpPr>
             <a:spLocks noGrp="1"/>
           </p:cNvSpPr>
@@ -9794,69 +9675,47 @@
           <a:p>
             <a:r>
               <a:rPr lang="nl-NL" dirty="0"/>
-              <a:t>Model</a:t>
-            </a:r>
-          </a:p>
-        </p:txBody>
-      </p:sp>
-      <p:sp>
-        <p:nvSpPr>
-          <p:cNvPr id="3" name="Tijdelijke aanduiding voor inhoud 2"/>
-          <p:cNvSpPr>
-            <a:spLocks noGrp="1"/>
-          </p:cNvSpPr>
+              <a:t>Voorbeeld Model</a:t>
+            </a:r>
+          </a:p>
+        </p:txBody>
+      </p:sp>
+      <p:pic>
+        <p:nvPicPr>
+          <p:cNvPr id="4" name="Tijdelijke aanduiding voor inhoud 3">
+            <a:extLst>
+              <a:ext uri="{FF2B5EF4-FFF2-40B4-BE49-F238E27FC236}">
+                <a16:creationId xmlns:a16="http://schemas.microsoft.com/office/drawing/2014/main" id="{467B31E9-E6BC-4788-895F-CDE62F2DC0A3}"/>
+              </a:ext>
+            </a:extLst>
+          </p:cNvPr>
+          <p:cNvPicPr>
+            <a:picLocks noGrp="1" noChangeAspect="1"/>
+          </p:cNvPicPr>
           <p:nvPr>
             <p:ph idx="1"/>
           </p:nvPr>
-        </p:nvSpPr>
-        <p:spPr/>
-        <p:txBody>
-          <a:bodyPr/>
-          <a:lstStyle/>
-          <a:p>
-            <a:r>
-              <a:rPr lang="nl-NL" dirty="0"/>
-              <a:t>Representatie van data</a:t>
-            </a:r>
-          </a:p>
-          <a:p>
-            <a:r>
-              <a:rPr lang="nl-NL" dirty="0"/>
-              <a:t>Relaties tussen data en logica</a:t>
-            </a:r>
-          </a:p>
-          <a:p>
-            <a:r>
-              <a:rPr lang="nl-NL" dirty="0"/>
-              <a:t>Data in opslagmedium </a:t>
-            </a:r>
-            <a:r>
-              <a:rPr lang="nl-NL" dirty="0" err="1"/>
-              <a:t>bijv</a:t>
-            </a:r>
-            <a:r>
-              <a:rPr lang="nl-NL" dirty="0"/>
-              <a:t>(Database)</a:t>
-            </a:r>
-          </a:p>
-          <a:p>
-            <a:r>
-              <a:rPr lang="nl-NL" dirty="0"/>
-              <a:t>Tabel in database</a:t>
-            </a:r>
-          </a:p>
-          <a:p>
-            <a:r>
-              <a:rPr lang="nl-NL" dirty="0"/>
-              <a:t>C# of VB</a:t>
-            </a:r>
-          </a:p>
-        </p:txBody>
-      </p:sp>
+        </p:nvPicPr>
+        <p:blipFill>
+          <a:blip r:embed="rId2"/>
+          <a:stretch>
+            <a:fillRect/>
+          </a:stretch>
+        </p:blipFill>
+        <p:spPr>
+          <a:xfrm>
+            <a:off x="2141165" y="1466850"/>
+            <a:ext cx="6432383" cy="4766442"/>
+          </a:xfrm>
+          <a:prstGeom prst="rect">
+            <a:avLst/>
+          </a:prstGeom>
+        </p:spPr>
+      </p:pic>
     </p:spTree>
     <p:extLst>
       <p:ext uri="{BB962C8B-B14F-4D97-AF65-F5344CB8AC3E}">
-        <p14:creationId xmlns:p14="http://schemas.microsoft.com/office/powerpoint/2010/main" val="488190276"/>
+        <p14:creationId xmlns:p14="http://schemas.microsoft.com/office/powerpoint/2010/main" val="1584332182"/>
       </p:ext>
     </p:extLst>
   </p:cSld>
@@ -9885,13 +9744,7 @@
       </p:grpSpPr>
       <p:sp>
         <p:nvSpPr>
-          <p:cNvPr id="2" name="Titel 1">
-            <a:extLst>
-              <a:ext uri="{FF2B5EF4-FFF2-40B4-BE49-F238E27FC236}">
-                <a16:creationId xmlns:a16="http://schemas.microsoft.com/office/drawing/2014/main" id="{042627C0-005C-4FB6-AC84-BA4FE7A981DF}"/>
-              </a:ext>
-            </a:extLst>
-          </p:cNvPr>
+          <p:cNvPr id="2" name="Titel 1"/>
           <p:cNvSpPr>
             <a:spLocks noGrp="1"/>
           </p:cNvSpPr>
@@ -9906,47 +9759,77 @@
           <a:p>
             <a:r>
               <a:rPr lang="nl-NL" dirty="0"/>
-              <a:t>Voorbeeld Model</a:t>
-            </a:r>
-          </a:p>
-        </p:txBody>
-      </p:sp>
-      <p:pic>
-        <p:nvPicPr>
-          <p:cNvPr id="4" name="Tijdelijke aanduiding voor inhoud 3">
-            <a:extLst>
-              <a:ext uri="{FF2B5EF4-FFF2-40B4-BE49-F238E27FC236}">
-                <a16:creationId xmlns:a16="http://schemas.microsoft.com/office/drawing/2014/main" id="{467B31E9-E6BC-4788-895F-CDE62F2DC0A3}"/>
-              </a:ext>
-            </a:extLst>
-          </p:cNvPr>
-          <p:cNvPicPr>
-            <a:picLocks noGrp="1" noChangeAspect="1"/>
-          </p:cNvPicPr>
+              <a:t>View</a:t>
+            </a:r>
+          </a:p>
+        </p:txBody>
+      </p:sp>
+      <p:sp>
+        <p:nvSpPr>
+          <p:cNvPr id="3" name="Tijdelijke aanduiding voor inhoud 2"/>
+          <p:cNvSpPr>
+            <a:spLocks noGrp="1"/>
+          </p:cNvSpPr>
           <p:nvPr>
             <p:ph idx="1"/>
           </p:nvPr>
-        </p:nvPicPr>
-        <p:blipFill>
-          <a:blip r:embed="rId2"/>
-          <a:stretch>
-            <a:fillRect/>
-          </a:stretch>
-        </p:blipFill>
-        <p:spPr>
-          <a:xfrm>
-            <a:off x="2141165" y="1466850"/>
-            <a:ext cx="6432383" cy="4766442"/>
-          </a:xfrm>
-          <a:prstGeom prst="rect">
-            <a:avLst/>
-          </a:prstGeom>
-        </p:spPr>
-      </p:pic>
+        </p:nvSpPr>
+        <p:spPr/>
+        <p:txBody>
+          <a:bodyPr/>
+          <a:lstStyle/>
+          <a:p>
+            <a:r>
+              <a:rPr lang="nl-NL" dirty="0"/>
+              <a:t>User interface</a:t>
+            </a:r>
+          </a:p>
+          <a:p>
+            <a:r>
+              <a:rPr lang="nl-NL" dirty="0"/>
+              <a:t>Geen verwerkingen zoals(Berekeningen en controles)</a:t>
+            </a:r>
+          </a:p>
+          <a:p>
+            <a:r>
+              <a:rPr lang="nl-NL" dirty="0"/>
+              <a:t>Html, CSS, Javascript</a:t>
+            </a:r>
+          </a:p>
+          <a:p>
+            <a:r>
+              <a:rPr lang="nl-NL" dirty="0" err="1"/>
+              <a:t>Models</a:t>
+            </a:r>
+            <a:r>
+              <a:rPr lang="nl-NL" dirty="0"/>
+              <a:t> en </a:t>
+            </a:r>
+            <a:r>
+              <a:rPr lang="nl-NL" dirty="0" err="1"/>
+              <a:t>Razor</a:t>
+            </a:r>
+            <a:r>
+              <a:rPr lang="nl-NL" dirty="0"/>
+              <a:t> engine</a:t>
+            </a:r>
+          </a:p>
+          <a:p>
+            <a:r>
+              <a:rPr lang="nl-NL" dirty="0" err="1"/>
+              <a:t>Partial</a:t>
+            </a:r>
+            <a:r>
+              <a:rPr lang="nl-NL" dirty="0"/>
+              <a:t> views</a:t>
+            </a:r>
+          </a:p>
+        </p:txBody>
+      </p:sp>
     </p:spTree>
     <p:extLst>
       <p:ext uri="{BB962C8B-B14F-4D97-AF65-F5344CB8AC3E}">
-        <p14:creationId xmlns:p14="http://schemas.microsoft.com/office/powerpoint/2010/main" val="1584332182"/>
+        <p14:creationId xmlns:p14="http://schemas.microsoft.com/office/powerpoint/2010/main" val="1109326496"/>
       </p:ext>
     </p:extLst>
   </p:cSld>
